--- a/Hackathon_Presentation.pptx
+++ b/Hackathon_Presentation.pptx
@@ -10,13 +10,15 @@
     <p:sldId id="260" r:id="rId4"/>
     <p:sldId id="265" r:id="rId5"/>
     <p:sldId id="268" r:id="rId6"/>
-    <p:sldId id="261" r:id="rId7"/>
-    <p:sldId id="262" r:id="rId8"/>
-    <p:sldId id="258" r:id="rId9"/>
-    <p:sldId id="263" r:id="rId10"/>
-    <p:sldId id="266" r:id="rId11"/>
-    <p:sldId id="267" r:id="rId12"/>
-    <p:sldId id="257" r:id="rId13"/>
+    <p:sldId id="269" r:id="rId7"/>
+    <p:sldId id="261" r:id="rId8"/>
+    <p:sldId id="262" r:id="rId9"/>
+    <p:sldId id="258" r:id="rId10"/>
+    <p:sldId id="263" r:id="rId11"/>
+    <p:sldId id="266" r:id="rId12"/>
+    <p:sldId id="270" r:id="rId13"/>
+    <p:sldId id="267" r:id="rId14"/>
+    <p:sldId id="271" r:id="rId15"/>
   </p:sldIdLst>
   <p:sldSz cx="9144000" cy="6858000" type="screen4x3"/>
   <p:notesSz cx="6858000" cy="9144000"/>
@@ -3193,6 +3195,744 @@
           <a:chExt cx="0" cy="0"/>
         </a:xfrm>
       </p:grpSpPr>
+      <p:sp>
+        <p:nvSpPr>
+          <p:cNvPr id="2" name="Title 1"/>
+          <p:cNvSpPr>
+            <a:spLocks noGrp="1"/>
+          </p:cNvSpPr>
+          <p:nvPr>
+            <p:ph type="title"/>
+          </p:nvPr>
+        </p:nvSpPr>
+        <p:spPr/>
+        <p:txBody>
+          <a:bodyPr/>
+          <a:lstStyle/>
+          <a:p>
+            <a:r>
+              <a:rPr lang="en-US" dirty="0" smtClean="0"/>
+              <a:t>Features</a:t>
+            </a:r>
+            <a:endParaRPr lang="en-US" dirty="0"/>
+          </a:p>
+        </p:txBody>
+      </p:sp>
+      <p:sp>
+        <p:nvSpPr>
+          <p:cNvPr id="4" name="Content Placeholder 3"/>
+          <p:cNvSpPr>
+            <a:spLocks noGrp="1"/>
+          </p:cNvSpPr>
+          <p:nvPr>
+            <p:ph sz="half" idx="1"/>
+          </p:nvPr>
+        </p:nvSpPr>
+        <p:spPr>
+          <a:xfrm>
+            <a:off x="457200" y="1398138"/>
+            <a:ext cx="4038600" cy="4525963"/>
+          </a:xfrm>
+        </p:spPr>
+        <p:txBody>
+          <a:bodyPr>
+            <a:normAutofit/>
+          </a:bodyPr>
+          <a:lstStyle/>
+          <a:p>
+            <a:r>
+              <a:rPr lang="en-US" dirty="0" smtClean="0"/>
+              <a:t>Aggregate </a:t>
+            </a:r>
+            <a:r>
+              <a:rPr lang="en-US" dirty="0" err="1" smtClean="0"/>
+              <a:t>bitcoin</a:t>
+            </a:r>
+            <a:r>
+              <a:rPr lang="en-US" dirty="0" smtClean="0"/>
+              <a:t> data</a:t>
+            </a:r>
+            <a:endParaRPr lang="en-US" dirty="0"/>
+          </a:p>
+        </p:txBody>
+      </p:sp>
+      <p:sp>
+        <p:nvSpPr>
+          <p:cNvPr id="5" name="Content Placeholder 4"/>
+          <p:cNvSpPr>
+            <a:spLocks noGrp="1"/>
+          </p:cNvSpPr>
+          <p:nvPr>
+            <p:ph sz="half" idx="2"/>
+          </p:nvPr>
+        </p:nvSpPr>
+        <p:spPr>
+          <a:xfrm>
+            <a:off x="4648200" y="1398138"/>
+            <a:ext cx="4038600" cy="4525963"/>
+          </a:xfrm>
+        </p:spPr>
+        <p:txBody>
+          <a:bodyPr>
+            <a:normAutofit/>
+          </a:bodyPr>
+          <a:lstStyle/>
+          <a:p>
+            <a:r>
+              <a:rPr lang="en-US" dirty="0" smtClean="0"/>
+              <a:t>Financial Exchange Rates (in $US)</a:t>
+            </a:r>
+          </a:p>
+        </p:txBody>
+      </p:sp>
+      <p:sp>
+        <p:nvSpPr>
+          <p:cNvPr id="6" name="TextBox 5"/>
+          <p:cNvSpPr txBox="1"/>
+          <p:nvPr/>
+        </p:nvSpPr>
+        <p:spPr>
+          <a:xfrm>
+            <a:off x="3828815" y="6289049"/>
+            <a:ext cx="184666" cy="369332"/>
+          </a:xfrm>
+          <a:prstGeom prst="rect">
+            <a:avLst/>
+          </a:prstGeom>
+          <a:noFill/>
+        </p:spPr>
+        <p:txBody>
+          <a:bodyPr wrap="none" rtlCol="0">
+            <a:spAutoFit/>
+          </a:bodyPr>
+          <a:lstStyle/>
+          <a:p>
+            <a:endParaRPr lang="en-US" dirty="0"/>
+          </a:p>
+        </p:txBody>
+      </p:sp>
+      <p:graphicFrame>
+        <p:nvGraphicFramePr>
+          <p:cNvPr id="8" name="Table 7"/>
+          <p:cNvGraphicFramePr>
+            <a:graphicFrameLocks noGrp="1"/>
+          </p:cNvGraphicFramePr>
+          <p:nvPr>
+            <p:extLst>
+              <p:ext uri="{D42A27DB-BD31-4B8C-83A1-F6EECF244321}">
+                <p14:modId xmlns:p14="http://schemas.microsoft.com/office/powerpoint/2010/main" val="744831263"/>
+              </p:ext>
+            </p:extLst>
+          </p:nvPr>
+        </p:nvGraphicFramePr>
+        <p:xfrm>
+          <a:off x="838398" y="2225915"/>
+          <a:ext cx="3175083" cy="4094480"/>
+        </p:xfrm>
+        <a:graphic>
+          <a:graphicData uri="http://schemas.openxmlformats.org/drawingml/2006/table">
+            <a:tbl>
+              <a:tblPr firstRow="1" bandRow="1">
+                <a:tableStyleId>{5C22544A-7EE6-4342-B048-85BDC9FD1C3A}</a:tableStyleId>
+              </a:tblPr>
+              <a:tblGrid>
+                <a:gridCol w="3175083"/>
+              </a:tblGrid>
+              <a:tr h="370840">
+                <a:tc>
+                  <a:txBody>
+                    <a:bodyPr/>
+                    <a:lstStyle/>
+                    <a:p>
+                      <a:pPr algn="ctr"/>
+                      <a:r>
+                        <a:rPr lang="en-US" dirty="0" smtClean="0"/>
+                        <a:t>Features</a:t>
+                      </a:r>
+                      <a:endParaRPr lang="en-US" dirty="0"/>
+                    </a:p>
+                  </a:txBody>
+                  <a:tcPr/>
+                </a:tc>
+              </a:tr>
+              <a:tr h="370840">
+                <a:tc>
+                  <a:txBody>
+                    <a:bodyPr/>
+                    <a:lstStyle/>
+                    <a:p>
+                      <a:pPr algn="ctr" fontAlgn="b"/>
+                      <a:r>
+                        <a:rPr lang="en-US" sz="1200" b="0" i="0" u="none" strike="noStrike" dirty="0" err="1">
+                          <a:solidFill>
+                            <a:srgbClr val="000000"/>
+                          </a:solidFill>
+                          <a:effectLst/>
+                          <a:latin typeface="Calibri"/>
+                        </a:rPr>
+                        <a:t>Bitcoin</a:t>
+                      </a:r>
+                      <a:r>
+                        <a:rPr lang="en-US" sz="1200" b="0" i="0" u="none" strike="noStrike" dirty="0">
+                          <a:solidFill>
+                            <a:srgbClr val="000000"/>
+                          </a:solidFill>
+                          <a:effectLst/>
+                          <a:latin typeface="Calibri"/>
+                        </a:rPr>
+                        <a:t>-Average-Transaction-Confirmation-Time</a:t>
+                      </a:r>
+                    </a:p>
+                  </a:txBody>
+                  <a:tcPr marL="12700" marR="12700" marT="12700" marB="0" anchor="b"/>
+                </a:tc>
+              </a:tr>
+              <a:tr h="370840">
+                <a:tc>
+                  <a:txBody>
+                    <a:bodyPr/>
+                    <a:lstStyle/>
+                    <a:p>
+                      <a:pPr algn="ctr" fontAlgn="b"/>
+                      <a:r>
+                        <a:rPr lang="en-US" sz="1200" b="0" i="0" u="none" strike="noStrike">
+                          <a:solidFill>
+                            <a:srgbClr val="000000"/>
+                          </a:solidFill>
+                          <a:effectLst/>
+                          <a:latin typeface="Calibri"/>
+                        </a:rPr>
+                        <a:t>Bitcoin-Average-Block-Size</a:t>
+                      </a:r>
+                    </a:p>
+                  </a:txBody>
+                  <a:tcPr marL="12700" marR="12700" marT="12700" marB="0" anchor="b"/>
+                </a:tc>
+              </a:tr>
+              <a:tr h="370840">
+                <a:tc>
+                  <a:txBody>
+                    <a:bodyPr/>
+                    <a:lstStyle/>
+                    <a:p>
+                      <a:pPr algn="ctr" fontAlgn="b"/>
+                      <a:r>
+                        <a:rPr lang="en-US" sz="1200" b="0" i="0" u="none" strike="noStrike" dirty="0" err="1">
+                          <a:solidFill>
+                            <a:srgbClr val="000000"/>
+                          </a:solidFill>
+                          <a:effectLst/>
+                          <a:latin typeface="Calibri"/>
+                        </a:rPr>
+                        <a:t>Bitcoin</a:t>
+                      </a:r>
+                      <a:r>
+                        <a:rPr lang="en-US" sz="1200" b="0" i="0" u="none" strike="noStrike" dirty="0">
+                          <a:solidFill>
+                            <a:srgbClr val="000000"/>
+                          </a:solidFill>
+                          <a:effectLst/>
+                          <a:latin typeface="Calibri"/>
+                        </a:rPr>
+                        <a:t>-Estimated-Transaction-Volume</a:t>
+                      </a:r>
+                    </a:p>
+                  </a:txBody>
+                  <a:tcPr marL="12700" marR="12700" marT="12700" marB="0" anchor="b"/>
+                </a:tc>
+              </a:tr>
+              <a:tr h="370840">
+                <a:tc>
+                  <a:txBody>
+                    <a:bodyPr/>
+                    <a:lstStyle/>
+                    <a:p>
+                      <a:pPr algn="ctr" fontAlgn="b"/>
+                      <a:r>
+                        <a:rPr lang="en-US" sz="1200" b="0" i="0" u="none" strike="noStrike">
+                          <a:solidFill>
+                            <a:srgbClr val="000000"/>
+                          </a:solidFill>
+                          <a:effectLst/>
+                          <a:latin typeface="Calibri"/>
+                        </a:rPr>
+                        <a:t>Bitcoin-Number-of-Unique-Bitcoin-Addresses-Used</a:t>
+                      </a:r>
+                    </a:p>
+                  </a:txBody>
+                  <a:tcPr marL="12700" marR="12700" marT="12700" marB="0" anchor="b"/>
+                </a:tc>
+              </a:tr>
+              <a:tr h="370840">
+                <a:tc>
+                  <a:txBody>
+                    <a:bodyPr/>
+                    <a:lstStyle/>
+                    <a:p>
+                      <a:pPr algn="ctr" fontAlgn="b"/>
+                      <a:r>
+                        <a:rPr lang="en-US" sz="1200" b="0" i="0" u="none" strike="noStrike">
+                          <a:solidFill>
+                            <a:srgbClr val="000000"/>
+                          </a:solidFill>
+                          <a:effectLst/>
+                          <a:latin typeface="Calibri"/>
+                        </a:rPr>
+                        <a:t>Bitcoin-Number-of-Transactions</a:t>
+                      </a:r>
+                    </a:p>
+                  </a:txBody>
+                  <a:tcPr marL="12700" marR="12700" marT="12700" marB="0" anchor="b"/>
+                </a:tc>
+              </a:tr>
+              <a:tr h="370840">
+                <a:tc>
+                  <a:txBody>
+                    <a:bodyPr/>
+                    <a:lstStyle/>
+                    <a:p>
+                      <a:pPr algn="ctr" fontAlgn="b"/>
+                      <a:r>
+                        <a:rPr lang="en-US" sz="1200" b="0" i="0" u="none" strike="noStrike" dirty="0" err="1">
+                          <a:solidFill>
+                            <a:srgbClr val="000000"/>
+                          </a:solidFill>
+                          <a:effectLst/>
+                          <a:latin typeface="Calibri"/>
+                        </a:rPr>
+                        <a:t>Bitcoin</a:t>
+                      </a:r>
+                      <a:r>
+                        <a:rPr lang="en-US" sz="1200" b="0" i="0" u="none" strike="noStrike" dirty="0">
+                          <a:solidFill>
+                            <a:srgbClr val="000000"/>
+                          </a:solidFill>
+                          <a:effectLst/>
+                          <a:latin typeface="Calibri"/>
+                        </a:rPr>
+                        <a:t>-Number-of-Transaction-per-Block</a:t>
+                      </a:r>
+                    </a:p>
+                  </a:txBody>
+                  <a:tcPr marL="12700" marR="12700" marT="12700" marB="0" anchor="b"/>
+                </a:tc>
+              </a:tr>
+              <a:tr h="370840">
+                <a:tc>
+                  <a:txBody>
+                    <a:bodyPr/>
+                    <a:lstStyle/>
+                    <a:p>
+                      <a:pPr algn="ctr" fontAlgn="b"/>
+                      <a:r>
+                        <a:rPr lang="en-US" sz="1200" b="0" i="0" u="none" strike="noStrike">
+                          <a:solidFill>
+                            <a:srgbClr val="000000"/>
+                          </a:solidFill>
+                          <a:effectLst/>
+                          <a:latin typeface="Calibri"/>
+                        </a:rPr>
+                        <a:t>Bitcoin-Number-of-Transactions-Excluding-Popular-Addresses</a:t>
+                      </a:r>
+                    </a:p>
+                  </a:txBody>
+                  <a:tcPr marL="12700" marR="12700" marT="12700" marB="0" anchor="b"/>
+                </a:tc>
+              </a:tr>
+              <a:tr h="370840">
+                <a:tc>
+                  <a:txBody>
+                    <a:bodyPr/>
+                    <a:lstStyle/>
+                    <a:p>
+                      <a:pPr algn="ctr" fontAlgn="b"/>
+                      <a:r>
+                        <a:rPr lang="en-US" sz="1200" b="0" i="0" u="none" strike="noStrike">
+                          <a:solidFill>
+                            <a:srgbClr val="000000"/>
+                          </a:solidFill>
+                          <a:effectLst/>
+                          <a:latin typeface="Calibri"/>
+                        </a:rPr>
+                        <a:t>Bitcoin-Total-Output-Volume</a:t>
+                      </a:r>
+                    </a:p>
+                  </a:txBody>
+                  <a:tcPr marL="12700" marR="12700" marT="12700" marB="0" anchor="b"/>
+                </a:tc>
+              </a:tr>
+              <a:tr h="370840">
+                <a:tc>
+                  <a:txBody>
+                    <a:bodyPr/>
+                    <a:lstStyle/>
+                    <a:p>
+                      <a:pPr algn="ctr" fontAlgn="b"/>
+                      <a:r>
+                        <a:rPr lang="en-US" sz="1200" b="0" i="0" u="none" strike="noStrike">
+                          <a:solidFill>
+                            <a:srgbClr val="000000"/>
+                          </a:solidFill>
+                          <a:effectLst/>
+                          <a:latin typeface="Calibri"/>
+                        </a:rPr>
+                        <a:t>Bitcoin-Total-Transaction-Fees</a:t>
+                      </a:r>
+                    </a:p>
+                  </a:txBody>
+                  <a:tcPr marL="12700" marR="12700" marT="12700" marB="0" anchor="b"/>
+                </a:tc>
+              </a:tr>
+              <a:tr h="370840">
+                <a:tc>
+                  <a:txBody>
+                    <a:bodyPr/>
+                    <a:lstStyle/>
+                    <a:p>
+                      <a:pPr algn="ctr" fontAlgn="b"/>
+                      <a:r>
+                        <a:rPr lang="en-US" sz="1200" b="0" i="0" u="none" strike="noStrike" dirty="0" err="1">
+                          <a:solidFill>
+                            <a:srgbClr val="000000"/>
+                          </a:solidFill>
+                          <a:effectLst/>
+                          <a:latin typeface="Calibri"/>
+                        </a:rPr>
+                        <a:t>Bitcoin</a:t>
+                      </a:r>
+                      <a:r>
+                        <a:rPr lang="en-US" sz="1200" b="0" i="0" u="none" strike="noStrike" dirty="0">
+                          <a:solidFill>
+                            <a:srgbClr val="000000"/>
+                          </a:solidFill>
+                          <a:effectLst/>
+                          <a:latin typeface="Calibri"/>
+                        </a:rPr>
+                        <a:t>-Average-Transaction-Confirmation-Time</a:t>
+                      </a:r>
+                    </a:p>
+                  </a:txBody>
+                  <a:tcPr marL="12700" marR="12700" marT="12700" marB="0" anchor="b"/>
+                </a:tc>
+              </a:tr>
+            </a:tbl>
+          </a:graphicData>
+        </a:graphic>
+      </p:graphicFrame>
+      <p:sp>
+        <p:nvSpPr>
+          <p:cNvPr id="9" name="TextBox 8"/>
+          <p:cNvSpPr txBox="1"/>
+          <p:nvPr/>
+        </p:nvSpPr>
+        <p:spPr>
+          <a:xfrm>
+            <a:off x="6917834" y="6234796"/>
+            <a:ext cx="2051275" cy="646331"/>
+          </a:xfrm>
+          <a:prstGeom prst="rect">
+            <a:avLst/>
+          </a:prstGeom>
+          <a:noFill/>
+        </p:spPr>
+        <p:txBody>
+          <a:bodyPr wrap="none" rtlCol="0">
+            <a:spAutoFit/>
+          </a:bodyPr>
+          <a:lstStyle/>
+          <a:p>
+            <a:pPr marL="0" lvl="1"/>
+            <a:r>
+              <a:rPr lang="en-US" dirty="0" smtClean="0"/>
+              <a:t>Source: </a:t>
+            </a:r>
+            <a:r>
+              <a:rPr lang="en-US" dirty="0" err="1" smtClean="0"/>
+              <a:t>quandl.com</a:t>
+            </a:r>
+            <a:endParaRPr lang="en-US" dirty="0" smtClean="0"/>
+          </a:p>
+          <a:p>
+            <a:endParaRPr lang="en-US" dirty="0"/>
+          </a:p>
+        </p:txBody>
+      </p:sp>
+      <p:graphicFrame>
+        <p:nvGraphicFramePr>
+          <p:cNvPr id="10" name="Table 9"/>
+          <p:cNvGraphicFramePr>
+            <a:graphicFrameLocks noGrp="1"/>
+          </p:cNvGraphicFramePr>
+          <p:nvPr>
+            <p:extLst>
+              <p:ext uri="{D42A27DB-BD31-4B8C-83A1-F6EECF244321}">
+                <p14:modId xmlns:p14="http://schemas.microsoft.com/office/powerpoint/2010/main" val="2256427503"/>
+              </p:ext>
+            </p:extLst>
+          </p:nvPr>
+        </p:nvGraphicFramePr>
+        <p:xfrm>
+          <a:off x="4810204" y="2520033"/>
+          <a:ext cx="3175083" cy="3708400"/>
+        </p:xfrm>
+        <a:graphic>
+          <a:graphicData uri="http://schemas.openxmlformats.org/drawingml/2006/table">
+            <a:tbl>
+              <a:tblPr firstRow="1" bandRow="1">
+                <a:tableStyleId>{5C22544A-7EE6-4342-B048-85BDC9FD1C3A}</a:tableStyleId>
+              </a:tblPr>
+              <a:tblGrid>
+                <a:gridCol w="3175083"/>
+              </a:tblGrid>
+              <a:tr h="370840">
+                <a:tc>
+                  <a:txBody>
+                    <a:bodyPr/>
+                    <a:lstStyle/>
+                    <a:p>
+                      <a:pPr algn="ctr"/>
+                      <a:r>
+                        <a:rPr lang="en-US" dirty="0" smtClean="0"/>
+                        <a:t>Currencies</a:t>
+                      </a:r>
+                      <a:endParaRPr lang="en-US" dirty="0"/>
+                    </a:p>
+                  </a:txBody>
+                  <a:tcPr/>
+                </a:tc>
+              </a:tr>
+              <a:tr h="370840">
+                <a:tc>
+                  <a:txBody>
+                    <a:bodyPr/>
+                    <a:lstStyle/>
+                    <a:p>
+                      <a:pPr algn="ctr" fontAlgn="b"/>
+                      <a:r>
+                        <a:rPr lang="en-US" sz="1200" b="0" i="0" u="none" strike="noStrike" dirty="0">
+                          <a:solidFill>
+                            <a:srgbClr val="000000"/>
+                          </a:solidFill>
+                          <a:effectLst/>
+                          <a:latin typeface="Calibri"/>
+                        </a:rPr>
+                        <a:t>JPY</a:t>
+                      </a:r>
+                    </a:p>
+                  </a:txBody>
+                  <a:tcPr marL="12700" marR="12700" marT="12700" marB="0" anchor="b"/>
+                </a:tc>
+              </a:tr>
+              <a:tr h="370840">
+                <a:tc>
+                  <a:txBody>
+                    <a:bodyPr/>
+                    <a:lstStyle/>
+                    <a:p>
+                      <a:pPr algn="ctr" fontAlgn="b"/>
+                      <a:r>
+                        <a:rPr lang="en-US" sz="1200" b="0" i="0" u="none" strike="noStrike">
+                          <a:solidFill>
+                            <a:srgbClr val="000000"/>
+                          </a:solidFill>
+                          <a:effectLst/>
+                          <a:latin typeface="Calibri"/>
+                        </a:rPr>
+                        <a:t>GBP</a:t>
+                      </a:r>
+                    </a:p>
+                  </a:txBody>
+                  <a:tcPr marL="12700" marR="12700" marT="12700" marB="0" anchor="b"/>
+                </a:tc>
+              </a:tr>
+              <a:tr h="370840">
+                <a:tc>
+                  <a:txBody>
+                    <a:bodyPr/>
+                    <a:lstStyle/>
+                    <a:p>
+                      <a:pPr algn="ctr" fontAlgn="b"/>
+                      <a:r>
+                        <a:rPr lang="en-US" sz="1200" b="0" i="0" u="none" strike="noStrike" dirty="0">
+                          <a:solidFill>
+                            <a:srgbClr val="000000"/>
+                          </a:solidFill>
+                          <a:effectLst/>
+                          <a:latin typeface="Calibri"/>
+                        </a:rPr>
+                        <a:t>CHF</a:t>
+                      </a:r>
+                    </a:p>
+                  </a:txBody>
+                  <a:tcPr marL="12700" marR="12700" marT="12700" marB="0" anchor="b"/>
+                </a:tc>
+              </a:tr>
+              <a:tr h="370840">
+                <a:tc>
+                  <a:txBody>
+                    <a:bodyPr/>
+                    <a:lstStyle/>
+                    <a:p>
+                      <a:pPr algn="ctr" fontAlgn="b"/>
+                      <a:r>
+                        <a:rPr lang="en-US" sz="1200" b="0" i="0" u="none" strike="noStrike">
+                          <a:solidFill>
+                            <a:srgbClr val="000000"/>
+                          </a:solidFill>
+                          <a:effectLst/>
+                          <a:latin typeface="Calibri"/>
+                        </a:rPr>
+                        <a:t>EUR</a:t>
+                      </a:r>
+                    </a:p>
+                  </a:txBody>
+                  <a:tcPr marL="12700" marR="12700" marT="12700" marB="0" anchor="b"/>
+                </a:tc>
+              </a:tr>
+              <a:tr h="370840">
+                <a:tc>
+                  <a:txBody>
+                    <a:bodyPr/>
+                    <a:lstStyle/>
+                    <a:p>
+                      <a:pPr algn="ctr" fontAlgn="b"/>
+                      <a:r>
+                        <a:rPr lang="en-US" sz="1200" b="0" i="0" u="none" strike="noStrike">
+                          <a:solidFill>
+                            <a:srgbClr val="000000"/>
+                          </a:solidFill>
+                          <a:effectLst/>
+                          <a:latin typeface="Calibri"/>
+                        </a:rPr>
+                        <a:t>CNY</a:t>
+                      </a:r>
+                    </a:p>
+                  </a:txBody>
+                  <a:tcPr marL="12700" marR="12700" marT="12700" marB="0" anchor="b"/>
+                </a:tc>
+              </a:tr>
+              <a:tr h="370840">
+                <a:tc>
+                  <a:txBody>
+                    <a:bodyPr/>
+                    <a:lstStyle/>
+                    <a:p>
+                      <a:pPr algn="ctr" fontAlgn="b"/>
+                      <a:r>
+                        <a:rPr lang="en-US" sz="1200" b="0" i="0" u="none" strike="noStrike">
+                          <a:solidFill>
+                            <a:srgbClr val="000000"/>
+                          </a:solidFill>
+                          <a:effectLst/>
+                          <a:latin typeface="Calibri"/>
+                        </a:rPr>
+                        <a:t>CAD</a:t>
+                      </a:r>
+                    </a:p>
+                  </a:txBody>
+                  <a:tcPr marL="12700" marR="12700" marT="12700" marB="0" anchor="b"/>
+                </a:tc>
+              </a:tr>
+              <a:tr h="370840">
+                <a:tc>
+                  <a:txBody>
+                    <a:bodyPr/>
+                    <a:lstStyle/>
+                    <a:p>
+                      <a:pPr algn="ctr" fontAlgn="b"/>
+                      <a:r>
+                        <a:rPr lang="en-US" sz="1200" b="0" i="0" u="none" strike="noStrike">
+                          <a:solidFill>
+                            <a:srgbClr val="000000"/>
+                          </a:solidFill>
+                          <a:effectLst/>
+                          <a:latin typeface="Calibri"/>
+                        </a:rPr>
+                        <a:t>SEK</a:t>
+                      </a:r>
+                    </a:p>
+                  </a:txBody>
+                  <a:tcPr marL="12700" marR="12700" marT="12700" marB="0" anchor="b"/>
+                </a:tc>
+              </a:tr>
+              <a:tr h="370840">
+                <a:tc>
+                  <a:txBody>
+                    <a:bodyPr/>
+                    <a:lstStyle/>
+                    <a:p>
+                      <a:pPr algn="ctr" fontAlgn="b"/>
+                      <a:r>
+                        <a:rPr lang="en-US" sz="1200" b="0" i="0" u="none" strike="noStrike">
+                          <a:solidFill>
+                            <a:srgbClr val="000000"/>
+                          </a:solidFill>
+                          <a:effectLst/>
+                          <a:latin typeface="Calibri"/>
+                        </a:rPr>
+                        <a:t>JPY</a:t>
+                      </a:r>
+                    </a:p>
+                  </a:txBody>
+                  <a:tcPr marL="12700" marR="12700" marT="12700" marB="0" anchor="b"/>
+                </a:tc>
+              </a:tr>
+              <a:tr h="370840">
+                <a:tc>
+                  <a:txBody>
+                    <a:bodyPr/>
+                    <a:lstStyle/>
+                    <a:p>
+                      <a:pPr algn="ctr" fontAlgn="b"/>
+                      <a:r>
+                        <a:rPr lang="en-US" sz="1200" b="0" i="0" u="none" strike="noStrike" dirty="0">
+                          <a:solidFill>
+                            <a:srgbClr val="000000"/>
+                          </a:solidFill>
+                          <a:effectLst/>
+                          <a:latin typeface="Calibri"/>
+                        </a:rPr>
+                        <a:t>GBP</a:t>
+                      </a:r>
+                    </a:p>
+                  </a:txBody>
+                  <a:tcPr marL="12700" marR="12700" marT="12700" marB="0" anchor="b"/>
+                </a:tc>
+              </a:tr>
+            </a:tbl>
+          </a:graphicData>
+        </a:graphic>
+      </p:graphicFrame>
+    </p:spTree>
+    <p:extLst>
+      <p:ext uri="{BB962C8B-B14F-4D97-AF65-F5344CB8AC3E}">
+        <p14:creationId xmlns:p14="http://schemas.microsoft.com/office/powerpoint/2010/main" val="1023557372"/>
+      </p:ext>
+    </p:extLst>
+  </p:cSld>
+  <p:clrMapOvr>
+    <a:masterClrMapping/>
+  </p:clrMapOvr>
+</p:sld>
+</file>
+
+<file path=ppt/slides/slide11.xml><?xml version="1.0" encoding="utf-8"?>
+<p:sld xmlns:a="http://schemas.openxmlformats.org/drawingml/2006/main" xmlns:r="http://schemas.openxmlformats.org/officeDocument/2006/relationships" xmlns:p="http://schemas.openxmlformats.org/presentationml/2006/main">
+  <p:cSld>
+    <p:spTree>
+      <p:nvGrpSpPr>
+        <p:cNvPr id="1" name=""/>
+        <p:cNvGrpSpPr/>
+        <p:nvPr/>
+      </p:nvGrpSpPr>
+      <p:grpSpPr>
+        <a:xfrm>
+          <a:off x="0" y="0"/>
+          <a:ext cx="0" cy="0"/>
+          <a:chOff x="0" y="0"/>
+          <a:chExt cx="0" cy="0"/>
+        </a:xfrm>
+      </p:grpSpPr>
       <p:pic>
         <p:nvPicPr>
           <p:cNvPr id="7" name="Content Placeholder 6"/>
@@ -3317,62 +4057,6 @@
     <p:extLst>
       <p:ext uri="{BB962C8B-B14F-4D97-AF65-F5344CB8AC3E}">
         <p14:creationId xmlns:p14="http://schemas.microsoft.com/office/powerpoint/2010/main" val="2992776432"/>
-      </p:ext>
-    </p:extLst>
-  </p:cSld>
-  <p:clrMapOvr>
-    <a:masterClrMapping/>
-  </p:clrMapOvr>
-  <p:timing>
-    <p:tnLst>
-      <p:par>
-        <p:cTn xmlns:p14="http://schemas.microsoft.com/office/powerpoint/2010/main" id="1" dur="indefinite" restart="never" nodeType="tmRoot"/>
-      </p:par>
-    </p:tnLst>
-  </p:timing>
-</p:sld>
-</file>
-
-<file path=ppt/slides/slide11.xml><?xml version="1.0" encoding="utf-8"?>
-<p:sld xmlns:a="http://schemas.openxmlformats.org/drawingml/2006/main" xmlns:r="http://schemas.openxmlformats.org/officeDocument/2006/relationships" xmlns:p="http://schemas.openxmlformats.org/presentationml/2006/main">
-  <p:cSld>
-    <p:spTree>
-      <p:nvGrpSpPr>
-        <p:cNvPr id="1" name=""/>
-        <p:cNvGrpSpPr/>
-        <p:nvPr/>
-      </p:nvGrpSpPr>
-      <p:grpSpPr>
-        <a:xfrm>
-          <a:off x="0" y="0"/>
-          <a:ext cx="0" cy="0"/>
-          <a:chOff x="0" y="0"/>
-          <a:chExt cx="0" cy="0"/>
-        </a:xfrm>
-      </p:grpSpPr>
-      <p:sp>
-        <p:nvSpPr>
-          <p:cNvPr id="8" name="Title 7"/>
-          <p:cNvSpPr>
-            <a:spLocks noGrp="1"/>
-          </p:cNvSpPr>
-          <p:nvPr>
-            <p:ph type="title"/>
-          </p:nvPr>
-        </p:nvSpPr>
-        <p:spPr/>
-        <p:txBody>
-          <a:bodyPr/>
-          <a:lstStyle/>
-          <a:p>
-            <a:endParaRPr lang="en-US"/>
-          </a:p>
-        </p:txBody>
-      </p:sp>
-    </p:spTree>
-    <p:extLst>
-      <p:ext uri="{BB962C8B-B14F-4D97-AF65-F5344CB8AC3E}">
-        <p14:creationId xmlns:p14="http://schemas.microsoft.com/office/powerpoint/2010/main" val="3072849913"/>
       </p:ext>
     </p:extLst>
   </p:cSld>
@@ -3421,37 +4105,1154 @@
           <a:bodyPr/>
           <a:lstStyle/>
           <a:p>
-            <a:r>
-              <a:rPr lang="en-US" dirty="0" smtClean="0"/>
-              <a:t>Results</a:t>
-            </a:r>
-            <a:endParaRPr lang="en-US" dirty="0"/>
-          </a:p>
-        </p:txBody>
-      </p:sp>
-      <p:sp>
-        <p:nvSpPr>
-          <p:cNvPr id="3" name="Content Placeholder 2"/>
-          <p:cNvSpPr>
-            <a:spLocks noGrp="1"/>
-          </p:cNvSpPr>
-          <p:nvPr>
-            <p:ph idx="1"/>
-          </p:nvPr>
-        </p:nvSpPr>
-        <p:spPr/>
-        <p:txBody>
-          <a:bodyPr/>
-          <a:lstStyle/>
-          <a:p>
             <a:endParaRPr lang="en-US"/>
           </a:p>
         </p:txBody>
       </p:sp>
+      <p:pic>
+        <p:nvPicPr>
+          <p:cNvPr id="3" name="Picture 2" descr="Extended_Plot.pdf"/>
+          <p:cNvPicPr>
+            <a:picLocks noChangeAspect="1"/>
+          </p:cNvPicPr>
+          <p:nvPr/>
+        </p:nvPicPr>
+        <p:blipFill>
+          <a:blip r:embed="rId2">
+            <a:extLst>
+              <a:ext uri="{28A0092B-C50C-407E-A947-70E740481C1C}">
+                <a14:useLocalDpi xmlns:a14="http://schemas.microsoft.com/office/drawing/2010/main" val="0"/>
+              </a:ext>
+            </a:extLst>
+          </a:blip>
+          <a:stretch>
+            <a:fillRect/>
+          </a:stretch>
+        </p:blipFill>
+        <p:spPr>
+          <a:xfrm>
+            <a:off x="457200" y="0"/>
+            <a:ext cx="8875059" cy="6858000"/>
+          </a:xfrm>
+          <a:prstGeom prst="rect">
+            <a:avLst/>
+          </a:prstGeom>
+        </p:spPr>
+      </p:pic>
+      <p:graphicFrame>
+        <p:nvGraphicFramePr>
+          <p:cNvPr id="4" name="Table 3"/>
+          <p:cNvGraphicFramePr>
+            <a:graphicFrameLocks noGrp="1"/>
+          </p:cNvGraphicFramePr>
+          <p:nvPr>
+            <p:extLst>
+              <p:ext uri="{D42A27DB-BD31-4B8C-83A1-F6EECF244321}">
+                <p14:modId xmlns:p14="http://schemas.microsoft.com/office/powerpoint/2010/main" val="4174154766"/>
+              </p:ext>
+            </p:extLst>
+          </p:nvPr>
+        </p:nvGraphicFramePr>
+        <p:xfrm>
+          <a:off x="1294459" y="477649"/>
+          <a:ext cx="2412059" cy="4239652"/>
+        </p:xfrm>
+        <a:graphic>
+          <a:graphicData uri="http://schemas.openxmlformats.org/drawingml/2006/table">
+            <a:tbl>
+              <a:tblPr firstRow="1" bandRow="1">
+                <a:tableStyleId>{5C22544A-7EE6-4342-B048-85BDC9FD1C3A}</a:tableStyleId>
+              </a:tblPr>
+              <a:tblGrid>
+                <a:gridCol w="893876"/>
+                <a:gridCol w="1518183"/>
+              </a:tblGrid>
+              <a:tr h="437586">
+                <a:tc>
+                  <a:txBody>
+                    <a:bodyPr/>
+                    <a:lstStyle/>
+                    <a:p>
+                      <a:r>
+                        <a:rPr lang="en-US" sz="1400" dirty="0" smtClean="0">
+                          <a:solidFill>
+                            <a:schemeClr val="tx1"/>
+                          </a:solidFill>
+                        </a:rPr>
+                        <a:t>Abbr.</a:t>
+                      </a:r>
+                      <a:endParaRPr lang="en-US" sz="1400" dirty="0">
+                        <a:solidFill>
+                          <a:schemeClr val="tx1"/>
+                        </a:solidFill>
+                      </a:endParaRPr>
+                    </a:p>
+                  </a:txBody>
+                  <a:tcPr>
+                    <a:solidFill>
+                      <a:schemeClr val="accent1">
+                        <a:alpha val="14000"/>
+                      </a:schemeClr>
+                    </a:solidFill>
+                  </a:tcPr>
+                </a:tc>
+                <a:tc>
+                  <a:txBody>
+                    <a:bodyPr/>
+                    <a:lstStyle/>
+                    <a:p>
+                      <a:r>
+                        <a:rPr lang="en-US" sz="1400" dirty="0" smtClean="0">
+                          <a:solidFill>
+                            <a:schemeClr val="tx1"/>
+                          </a:solidFill>
+                        </a:rPr>
+                        <a:t>Data</a:t>
+                      </a:r>
+                      <a:endParaRPr lang="en-US" sz="1400" dirty="0">
+                        <a:solidFill>
+                          <a:schemeClr val="tx1"/>
+                        </a:solidFill>
+                      </a:endParaRPr>
+                    </a:p>
+                  </a:txBody>
+                  <a:tcPr>
+                    <a:solidFill>
+                      <a:schemeClr val="accent1">
+                        <a:alpha val="14000"/>
+                      </a:schemeClr>
+                    </a:solidFill>
+                  </a:tcPr>
+                </a:tc>
+              </a:tr>
+              <a:tr h="455819">
+                <a:tc>
+                  <a:txBody>
+                    <a:bodyPr/>
+                    <a:lstStyle/>
+                    <a:p>
+                      <a:pPr algn="l" fontAlgn="b"/>
+                      <a:r>
+                        <a:rPr lang="en-US" sz="1000" b="0" i="0" u="none" strike="noStrike">
+                          <a:solidFill>
+                            <a:srgbClr val="000000"/>
+                          </a:solidFill>
+                          <a:effectLst/>
+                          <a:latin typeface="Calibri"/>
+                        </a:rPr>
+                        <a:t>ATRCT</a:t>
+                      </a:r>
+                    </a:p>
+                  </a:txBody>
+                  <a:tcPr marL="12700" marR="12700" marT="12700" marB="0" anchor="b">
+                    <a:solidFill>
+                      <a:schemeClr val="accent1">
+                        <a:alpha val="14000"/>
+                      </a:schemeClr>
+                    </a:solidFill>
+                  </a:tcPr>
+                </a:tc>
+                <a:tc>
+                  <a:txBody>
+                    <a:bodyPr/>
+                    <a:lstStyle/>
+                    <a:p>
+                      <a:pPr algn="l" fontAlgn="b"/>
+                      <a:r>
+                        <a:rPr lang="en-US" sz="1000" b="0" i="0" u="none" strike="noStrike" dirty="0" err="1">
+                          <a:solidFill>
+                            <a:srgbClr val="000000"/>
+                          </a:solidFill>
+                          <a:effectLst/>
+                          <a:latin typeface="Calibri"/>
+                        </a:rPr>
+                        <a:t>Bitcoin</a:t>
+                      </a:r>
+                      <a:r>
+                        <a:rPr lang="en-US" sz="1000" b="0" i="0" u="none" strike="noStrike" dirty="0">
+                          <a:solidFill>
+                            <a:srgbClr val="000000"/>
+                          </a:solidFill>
+                          <a:effectLst/>
+                          <a:latin typeface="Calibri"/>
+                        </a:rPr>
+                        <a:t>-Average-Transaction-Confirmation-Time</a:t>
+                      </a:r>
+                    </a:p>
+                  </a:txBody>
+                  <a:tcPr marL="12700" marR="12700" marT="12700" marB="0" anchor="b">
+                    <a:solidFill>
+                      <a:schemeClr val="accent1">
+                        <a:alpha val="14000"/>
+                      </a:schemeClr>
+                    </a:solidFill>
+                  </a:tcPr>
+                </a:tc>
+              </a:tr>
+              <a:tr h="248675">
+                <a:tc>
+                  <a:txBody>
+                    <a:bodyPr/>
+                    <a:lstStyle/>
+                    <a:p>
+                      <a:pPr algn="l" fontAlgn="b"/>
+                      <a:r>
+                        <a:rPr lang="en-US" sz="1000" b="0" i="0" u="none" strike="noStrike">
+                          <a:solidFill>
+                            <a:srgbClr val="000000"/>
+                          </a:solidFill>
+                          <a:effectLst/>
+                          <a:latin typeface="Calibri"/>
+                        </a:rPr>
+                        <a:t>AVBLS</a:t>
+                      </a:r>
+                    </a:p>
+                  </a:txBody>
+                  <a:tcPr marL="12700" marR="12700" marT="12700" marB="0" anchor="b">
+                    <a:solidFill>
+                      <a:schemeClr val="accent1">
+                        <a:alpha val="14000"/>
+                      </a:schemeClr>
+                    </a:solidFill>
+                  </a:tcPr>
+                </a:tc>
+                <a:tc>
+                  <a:txBody>
+                    <a:bodyPr/>
+                    <a:lstStyle/>
+                    <a:p>
+                      <a:pPr algn="l" fontAlgn="b"/>
+                      <a:r>
+                        <a:rPr lang="en-US" sz="1000" b="0" i="0" u="none" strike="noStrike">
+                          <a:solidFill>
+                            <a:srgbClr val="000000"/>
+                          </a:solidFill>
+                          <a:effectLst/>
+                          <a:latin typeface="Calibri"/>
+                        </a:rPr>
+                        <a:t>Bitcoin-Average-Block-Size</a:t>
+                      </a:r>
+                    </a:p>
+                  </a:txBody>
+                  <a:tcPr marL="12700" marR="12700" marT="12700" marB="0" anchor="b">
+                    <a:solidFill>
+                      <a:schemeClr val="accent1">
+                        <a:alpha val="14000"/>
+                      </a:schemeClr>
+                    </a:solidFill>
+                  </a:tcPr>
+                </a:tc>
+              </a:tr>
+              <a:tr h="381767">
+                <a:tc>
+                  <a:txBody>
+                    <a:bodyPr/>
+                    <a:lstStyle/>
+                    <a:p>
+                      <a:pPr algn="l" fontAlgn="b"/>
+                      <a:r>
+                        <a:rPr lang="en-US" sz="1000" b="0" i="0" u="none" strike="noStrike">
+                          <a:solidFill>
+                            <a:srgbClr val="000000"/>
+                          </a:solidFill>
+                          <a:effectLst/>
+                          <a:latin typeface="Calibri"/>
+                        </a:rPr>
+                        <a:t>ETRAV</a:t>
+                      </a:r>
+                    </a:p>
+                  </a:txBody>
+                  <a:tcPr marL="12700" marR="12700" marT="12700" marB="0" anchor="b">
+                    <a:solidFill>
+                      <a:schemeClr val="accent1">
+                        <a:alpha val="14000"/>
+                      </a:schemeClr>
+                    </a:solidFill>
+                  </a:tcPr>
+                </a:tc>
+                <a:tc>
+                  <a:txBody>
+                    <a:bodyPr/>
+                    <a:lstStyle/>
+                    <a:p>
+                      <a:pPr algn="l" fontAlgn="b"/>
+                      <a:r>
+                        <a:rPr lang="en-US" sz="1000" b="0" i="0" u="none" strike="noStrike">
+                          <a:solidFill>
+                            <a:srgbClr val="000000"/>
+                          </a:solidFill>
+                          <a:effectLst/>
+                          <a:latin typeface="Calibri"/>
+                        </a:rPr>
+                        <a:t>Bitcoin-Estimated-Transaction-Volume</a:t>
+                      </a:r>
+                    </a:p>
+                  </a:txBody>
+                  <a:tcPr marL="12700" marR="12700" marT="12700" marB="0" anchor="b">
+                    <a:solidFill>
+                      <a:schemeClr val="accent1">
+                        <a:alpha val="14000"/>
+                      </a:schemeClr>
+                    </a:solidFill>
+                  </a:tcPr>
+                </a:tc>
+              </a:tr>
+              <a:tr h="455819">
+                <a:tc>
+                  <a:txBody>
+                    <a:bodyPr/>
+                    <a:lstStyle/>
+                    <a:p>
+                      <a:pPr algn="l" fontAlgn="b"/>
+                      <a:r>
+                        <a:rPr lang="en-US" sz="1000" b="0" i="0" u="none" strike="noStrike">
+                          <a:solidFill>
+                            <a:srgbClr val="000000"/>
+                          </a:solidFill>
+                          <a:effectLst/>
+                          <a:latin typeface="Calibri"/>
+                        </a:rPr>
+                        <a:t>NADDU</a:t>
+                      </a:r>
+                    </a:p>
+                  </a:txBody>
+                  <a:tcPr marL="12700" marR="12700" marT="12700" marB="0" anchor="b">
+                    <a:solidFill>
+                      <a:schemeClr val="accent1">
+                        <a:alpha val="14000"/>
+                      </a:schemeClr>
+                    </a:solidFill>
+                  </a:tcPr>
+                </a:tc>
+                <a:tc>
+                  <a:txBody>
+                    <a:bodyPr/>
+                    <a:lstStyle/>
+                    <a:p>
+                      <a:pPr algn="l" fontAlgn="b"/>
+                      <a:r>
+                        <a:rPr lang="en-US" sz="1000" b="0" i="0" u="none" strike="noStrike">
+                          <a:solidFill>
+                            <a:srgbClr val="000000"/>
+                          </a:solidFill>
+                          <a:effectLst/>
+                          <a:latin typeface="Calibri"/>
+                        </a:rPr>
+                        <a:t>Bitcoin-Number-of-Unique-Bitcoin-Addresses-Used</a:t>
+                      </a:r>
+                    </a:p>
+                  </a:txBody>
+                  <a:tcPr marL="12700" marR="12700" marT="12700" marB="0" anchor="b">
+                    <a:solidFill>
+                      <a:schemeClr val="accent1">
+                        <a:alpha val="14000"/>
+                      </a:schemeClr>
+                    </a:solidFill>
+                  </a:tcPr>
+                </a:tc>
+              </a:tr>
+              <a:tr h="248675">
+                <a:tc>
+                  <a:txBody>
+                    <a:bodyPr/>
+                    <a:lstStyle/>
+                    <a:p>
+                      <a:pPr algn="l" fontAlgn="b"/>
+                      <a:r>
+                        <a:rPr lang="en-US" sz="1000" b="0" i="0" u="none" strike="noStrike">
+                          <a:solidFill>
+                            <a:srgbClr val="000000"/>
+                          </a:solidFill>
+                          <a:effectLst/>
+                          <a:latin typeface="Calibri"/>
+                        </a:rPr>
+                        <a:t>NTRAN</a:t>
+                      </a:r>
+                    </a:p>
+                  </a:txBody>
+                  <a:tcPr marL="12700" marR="12700" marT="12700" marB="0" anchor="b">
+                    <a:solidFill>
+                      <a:schemeClr val="accent1">
+                        <a:alpha val="14000"/>
+                      </a:schemeClr>
+                    </a:solidFill>
+                  </a:tcPr>
+                </a:tc>
+                <a:tc>
+                  <a:txBody>
+                    <a:bodyPr/>
+                    <a:lstStyle/>
+                    <a:p>
+                      <a:pPr algn="l" fontAlgn="b"/>
+                      <a:r>
+                        <a:rPr lang="en-US" sz="1000" b="0" i="0" u="none" strike="noStrike">
+                          <a:solidFill>
+                            <a:srgbClr val="000000"/>
+                          </a:solidFill>
+                          <a:effectLst/>
+                          <a:latin typeface="Calibri"/>
+                        </a:rPr>
+                        <a:t>Bitcoin-Number-of-Transactions</a:t>
+                      </a:r>
+                    </a:p>
+                  </a:txBody>
+                  <a:tcPr marL="12700" marR="12700" marT="12700" marB="0" anchor="b">
+                    <a:solidFill>
+                      <a:schemeClr val="accent1">
+                        <a:alpha val="14000"/>
+                      </a:schemeClr>
+                    </a:solidFill>
+                  </a:tcPr>
+                </a:tc>
+              </a:tr>
+              <a:tr h="381767">
+                <a:tc>
+                  <a:txBody>
+                    <a:bodyPr/>
+                    <a:lstStyle/>
+                    <a:p>
+                      <a:pPr algn="l" fontAlgn="b"/>
+                      <a:r>
+                        <a:rPr lang="en-US" sz="1000" b="0" i="0" u="none" strike="noStrike">
+                          <a:solidFill>
+                            <a:srgbClr val="000000"/>
+                          </a:solidFill>
+                          <a:effectLst/>
+                          <a:latin typeface="Calibri"/>
+                        </a:rPr>
+                        <a:t>NTRBL</a:t>
+                      </a:r>
+                    </a:p>
+                  </a:txBody>
+                  <a:tcPr marL="12700" marR="12700" marT="12700" marB="0" anchor="b">
+                    <a:solidFill>
+                      <a:schemeClr val="accent1">
+                        <a:alpha val="14000"/>
+                      </a:schemeClr>
+                    </a:solidFill>
+                  </a:tcPr>
+                </a:tc>
+                <a:tc>
+                  <a:txBody>
+                    <a:bodyPr/>
+                    <a:lstStyle/>
+                    <a:p>
+                      <a:pPr algn="l" fontAlgn="b"/>
+                      <a:r>
+                        <a:rPr lang="en-US" sz="1000" b="0" i="0" u="none" strike="noStrike">
+                          <a:solidFill>
+                            <a:srgbClr val="000000"/>
+                          </a:solidFill>
+                          <a:effectLst/>
+                          <a:latin typeface="Calibri"/>
+                        </a:rPr>
+                        <a:t>Bitcoin-Number-of-Transaction-per-Block</a:t>
+                      </a:r>
+                    </a:p>
+                  </a:txBody>
+                  <a:tcPr marL="12700" marR="12700" marT="12700" marB="0" anchor="b">
+                    <a:solidFill>
+                      <a:schemeClr val="accent1">
+                        <a:alpha val="14000"/>
+                      </a:schemeClr>
+                    </a:solidFill>
+                  </a:tcPr>
+                </a:tc>
+              </a:tr>
+              <a:tr h="455819">
+                <a:tc>
+                  <a:txBody>
+                    <a:bodyPr/>
+                    <a:lstStyle/>
+                    <a:p>
+                      <a:pPr algn="l" fontAlgn="b"/>
+                      <a:r>
+                        <a:rPr lang="en-US" sz="1000" b="0" i="0" u="none" strike="noStrike">
+                          <a:solidFill>
+                            <a:srgbClr val="000000"/>
+                          </a:solidFill>
+                          <a:effectLst/>
+                          <a:latin typeface="Calibri"/>
+                        </a:rPr>
+                        <a:t>NTREP</a:t>
+                      </a:r>
+                    </a:p>
+                  </a:txBody>
+                  <a:tcPr marL="12700" marR="12700" marT="12700" marB="0" anchor="b">
+                    <a:solidFill>
+                      <a:schemeClr val="accent1">
+                        <a:alpha val="14000"/>
+                      </a:schemeClr>
+                    </a:solidFill>
+                  </a:tcPr>
+                </a:tc>
+                <a:tc>
+                  <a:txBody>
+                    <a:bodyPr/>
+                    <a:lstStyle/>
+                    <a:p>
+                      <a:pPr algn="l" fontAlgn="b"/>
+                      <a:r>
+                        <a:rPr lang="en-US" sz="1000" b="0" i="0" u="none" strike="noStrike">
+                          <a:solidFill>
+                            <a:srgbClr val="000000"/>
+                          </a:solidFill>
+                          <a:effectLst/>
+                          <a:latin typeface="Calibri"/>
+                        </a:rPr>
+                        <a:t>Bitcoin-Number-of-Transactions-Excluding-Popular-Addresses</a:t>
+                      </a:r>
+                    </a:p>
+                  </a:txBody>
+                  <a:tcPr marL="12700" marR="12700" marT="12700" marB="0" anchor="b">
+                    <a:solidFill>
+                      <a:schemeClr val="accent1">
+                        <a:alpha val="14000"/>
+                      </a:schemeClr>
+                    </a:solidFill>
+                  </a:tcPr>
+                </a:tc>
+              </a:tr>
+              <a:tr h="248675">
+                <a:tc>
+                  <a:txBody>
+                    <a:bodyPr/>
+                    <a:lstStyle/>
+                    <a:p>
+                      <a:pPr algn="l" fontAlgn="b"/>
+                      <a:r>
+                        <a:rPr lang="en-US" sz="1000" b="0" i="0" u="none" strike="noStrike">
+                          <a:solidFill>
+                            <a:srgbClr val="000000"/>
+                          </a:solidFill>
+                          <a:effectLst/>
+                          <a:latin typeface="Calibri"/>
+                        </a:rPr>
+                        <a:t>TOUTV</a:t>
+                      </a:r>
+                    </a:p>
+                  </a:txBody>
+                  <a:tcPr marL="12700" marR="12700" marT="12700" marB="0" anchor="b">
+                    <a:solidFill>
+                      <a:schemeClr val="accent1">
+                        <a:alpha val="14000"/>
+                      </a:schemeClr>
+                    </a:solidFill>
+                  </a:tcPr>
+                </a:tc>
+                <a:tc>
+                  <a:txBody>
+                    <a:bodyPr/>
+                    <a:lstStyle/>
+                    <a:p>
+                      <a:pPr algn="l" fontAlgn="b"/>
+                      <a:r>
+                        <a:rPr lang="en-US" sz="1000" b="0" i="0" u="none" strike="noStrike">
+                          <a:solidFill>
+                            <a:srgbClr val="000000"/>
+                          </a:solidFill>
+                          <a:effectLst/>
+                          <a:latin typeface="Calibri"/>
+                        </a:rPr>
+                        <a:t>Bitcoin-Total-Output-Volume</a:t>
+                      </a:r>
+                    </a:p>
+                  </a:txBody>
+                  <a:tcPr marL="12700" marR="12700" marT="12700" marB="0" anchor="b">
+                    <a:solidFill>
+                      <a:schemeClr val="accent1">
+                        <a:alpha val="14000"/>
+                      </a:schemeClr>
+                    </a:solidFill>
+                  </a:tcPr>
+                </a:tc>
+              </a:tr>
+              <a:tr h="248675">
+                <a:tc>
+                  <a:txBody>
+                    <a:bodyPr/>
+                    <a:lstStyle/>
+                    <a:p>
+                      <a:pPr algn="l" fontAlgn="b"/>
+                      <a:r>
+                        <a:rPr lang="en-US" sz="1000" b="0" i="0" u="none" strike="noStrike">
+                          <a:solidFill>
+                            <a:srgbClr val="000000"/>
+                          </a:solidFill>
+                          <a:effectLst/>
+                          <a:latin typeface="Calibri"/>
+                        </a:rPr>
+                        <a:t>TRFEE</a:t>
+                      </a:r>
+                    </a:p>
+                  </a:txBody>
+                  <a:tcPr marL="12700" marR="12700" marT="12700" marB="0" anchor="b">
+                    <a:solidFill>
+                      <a:schemeClr val="accent1">
+                        <a:alpha val="14000"/>
+                      </a:schemeClr>
+                    </a:solidFill>
+                  </a:tcPr>
+                </a:tc>
+                <a:tc>
+                  <a:txBody>
+                    <a:bodyPr/>
+                    <a:lstStyle/>
+                    <a:p>
+                      <a:pPr algn="l" fontAlgn="b"/>
+                      <a:r>
+                        <a:rPr lang="en-US" sz="1000" b="0" i="0" u="none" strike="noStrike">
+                          <a:solidFill>
+                            <a:srgbClr val="000000"/>
+                          </a:solidFill>
+                          <a:effectLst/>
+                          <a:latin typeface="Calibri"/>
+                        </a:rPr>
+                        <a:t>Bitcoin-Total-Transaction-Fees</a:t>
+                      </a:r>
+                    </a:p>
+                  </a:txBody>
+                  <a:tcPr marL="12700" marR="12700" marT="12700" marB="0" anchor="b">
+                    <a:solidFill>
+                      <a:schemeClr val="accent1">
+                        <a:alpha val="14000"/>
+                      </a:schemeClr>
+                    </a:solidFill>
+                  </a:tcPr>
+                </a:tc>
+              </a:tr>
+              <a:tr h="455819">
+                <a:tc>
+                  <a:txBody>
+                    <a:bodyPr/>
+                    <a:lstStyle/>
+                    <a:p>
+                      <a:pPr algn="l" fontAlgn="b"/>
+                      <a:r>
+                        <a:rPr lang="en-US" sz="1000" b="0" i="0" u="none" strike="noStrike" dirty="0">
+                          <a:solidFill>
+                            <a:srgbClr val="000000"/>
+                          </a:solidFill>
+                          <a:effectLst/>
+                          <a:latin typeface="Calibri"/>
+                        </a:rPr>
+                        <a:t>ATRCT</a:t>
+                      </a:r>
+                    </a:p>
+                  </a:txBody>
+                  <a:tcPr marL="12700" marR="12700" marT="12700" marB="0" anchor="b">
+                    <a:solidFill>
+                      <a:schemeClr val="accent1">
+                        <a:alpha val="14000"/>
+                      </a:schemeClr>
+                    </a:solidFill>
+                  </a:tcPr>
+                </a:tc>
+                <a:tc>
+                  <a:txBody>
+                    <a:bodyPr/>
+                    <a:lstStyle/>
+                    <a:p>
+                      <a:pPr algn="l" fontAlgn="b"/>
+                      <a:r>
+                        <a:rPr lang="en-US" sz="1000" b="0" i="0" u="none" strike="noStrike" dirty="0" err="1">
+                          <a:solidFill>
+                            <a:srgbClr val="000000"/>
+                          </a:solidFill>
+                          <a:effectLst/>
+                          <a:latin typeface="Calibri"/>
+                        </a:rPr>
+                        <a:t>Bitcoin</a:t>
+                      </a:r>
+                      <a:r>
+                        <a:rPr lang="en-US" sz="1000" b="0" i="0" u="none" strike="noStrike" dirty="0">
+                          <a:solidFill>
+                            <a:srgbClr val="000000"/>
+                          </a:solidFill>
+                          <a:effectLst/>
+                          <a:latin typeface="Calibri"/>
+                        </a:rPr>
+                        <a:t>-Average-Transaction-Confirmation-Time</a:t>
+                      </a:r>
+                    </a:p>
+                  </a:txBody>
+                  <a:tcPr marL="12700" marR="12700" marT="12700" marB="0" anchor="b">
+                    <a:solidFill>
+                      <a:schemeClr val="accent1">
+                        <a:alpha val="14000"/>
+                      </a:schemeClr>
+                    </a:solidFill>
+                  </a:tcPr>
+                </a:tc>
+              </a:tr>
+            </a:tbl>
+          </a:graphicData>
+        </a:graphic>
+      </p:graphicFrame>
     </p:spTree>
     <p:extLst>
       <p:ext uri="{BB962C8B-B14F-4D97-AF65-F5344CB8AC3E}">
-        <p14:creationId xmlns:p14="http://schemas.microsoft.com/office/powerpoint/2010/main" val="2159092259"/>
+        <p14:creationId xmlns:p14="http://schemas.microsoft.com/office/powerpoint/2010/main" val="392116311"/>
+      </p:ext>
+    </p:extLst>
+  </p:cSld>
+  <p:clrMapOvr>
+    <a:masterClrMapping/>
+  </p:clrMapOvr>
+</p:sld>
+</file>
+
+<file path=ppt/slides/slide13.xml><?xml version="1.0" encoding="utf-8"?>
+<p:sld xmlns:a="http://schemas.openxmlformats.org/drawingml/2006/main" xmlns:r="http://schemas.openxmlformats.org/officeDocument/2006/relationships" xmlns:p="http://schemas.openxmlformats.org/presentationml/2006/main">
+  <p:cSld>
+    <p:spTree>
+      <p:nvGrpSpPr>
+        <p:cNvPr id="1" name=""/>
+        <p:cNvGrpSpPr/>
+        <p:nvPr/>
+      </p:nvGrpSpPr>
+      <p:grpSpPr>
+        <a:xfrm>
+          <a:off x="0" y="0"/>
+          <a:ext cx="0" cy="0"/>
+          <a:chOff x="0" y="0"/>
+          <a:chExt cx="0" cy="0"/>
+        </a:xfrm>
+      </p:grpSpPr>
+      <p:sp>
+        <p:nvSpPr>
+          <p:cNvPr id="8" name="Title 7"/>
+          <p:cNvSpPr>
+            <a:spLocks noGrp="1"/>
+          </p:cNvSpPr>
+          <p:nvPr>
+            <p:ph type="title"/>
+          </p:nvPr>
+        </p:nvSpPr>
+        <p:spPr/>
+        <p:txBody>
+          <a:bodyPr/>
+          <a:lstStyle/>
+          <a:p>
+            <a:r>
+              <a:rPr lang="en-US" dirty="0" smtClean="0"/>
+              <a:t>Attempted Approaches</a:t>
+            </a:r>
+            <a:endParaRPr lang="en-US" dirty="0"/>
+          </a:p>
+        </p:txBody>
+      </p:sp>
+      <p:graphicFrame>
+        <p:nvGraphicFramePr>
+          <p:cNvPr id="9" name="Table 8"/>
+          <p:cNvGraphicFramePr>
+            <a:graphicFrameLocks noGrp="1"/>
+          </p:cNvGraphicFramePr>
+          <p:nvPr>
+            <p:extLst>
+              <p:ext uri="{D42A27DB-BD31-4B8C-83A1-F6EECF244321}">
+                <p14:modId xmlns:p14="http://schemas.microsoft.com/office/powerpoint/2010/main" val="4082896200"/>
+              </p:ext>
+            </p:extLst>
+          </p:nvPr>
+        </p:nvGraphicFramePr>
+        <p:xfrm>
+          <a:off x="1524000" y="1396996"/>
+          <a:ext cx="6865920" cy="5110347"/>
+        </p:xfrm>
+        <a:graphic>
+          <a:graphicData uri="http://schemas.openxmlformats.org/drawingml/2006/table">
+            <a:tbl>
+              <a:tblPr firstRow="1" bandRow="1">
+                <a:tableStyleId>{5C22544A-7EE6-4342-B048-85BDC9FD1C3A}</a:tableStyleId>
+              </a:tblPr>
+              <a:tblGrid>
+                <a:gridCol w="1716480"/>
+                <a:gridCol w="1716480"/>
+                <a:gridCol w="1716480"/>
+                <a:gridCol w="1716480"/>
+              </a:tblGrid>
+              <a:tr h="751807">
+                <a:tc>
+                  <a:txBody>
+                    <a:bodyPr/>
+                    <a:lstStyle/>
+                    <a:p>
+                      <a:r>
+                        <a:rPr lang="en-US" dirty="0" smtClean="0"/>
+                        <a:t>Model</a:t>
+                      </a:r>
+                      <a:endParaRPr lang="en-US" dirty="0"/>
+                    </a:p>
+                  </a:txBody>
+                  <a:tcPr/>
+                </a:tc>
+                <a:tc>
+                  <a:txBody>
+                    <a:bodyPr/>
+                    <a:lstStyle/>
+                    <a:p>
+                      <a:r>
+                        <a:rPr lang="en-US" dirty="0" smtClean="0"/>
+                        <a:t>Pro</a:t>
+                      </a:r>
+                      <a:endParaRPr lang="en-US" dirty="0"/>
+                    </a:p>
+                  </a:txBody>
+                  <a:tcPr/>
+                </a:tc>
+                <a:tc>
+                  <a:txBody>
+                    <a:bodyPr/>
+                    <a:lstStyle/>
+                    <a:p>
+                      <a:r>
+                        <a:rPr lang="en-US" dirty="0" smtClean="0"/>
+                        <a:t>Con </a:t>
+                      </a:r>
+                      <a:endParaRPr lang="en-US" dirty="0"/>
+                    </a:p>
+                  </a:txBody>
+                  <a:tcPr/>
+                </a:tc>
+                <a:tc>
+                  <a:txBody>
+                    <a:bodyPr/>
+                    <a:lstStyle/>
+                    <a:p>
+                      <a:r>
+                        <a:rPr lang="en-US" dirty="0" smtClean="0"/>
+                        <a:t>Result</a:t>
+                      </a:r>
+                      <a:endParaRPr lang="en-US" dirty="0"/>
+                    </a:p>
+                  </a:txBody>
+                  <a:tcPr/>
+                </a:tc>
+              </a:tr>
+              <a:tr h="751807">
+                <a:tc>
+                  <a:txBody>
+                    <a:bodyPr/>
+                    <a:lstStyle/>
+                    <a:p>
+                      <a:r>
+                        <a:rPr lang="en-US" dirty="0" smtClean="0"/>
+                        <a:t>granger</a:t>
+                      </a:r>
+                      <a:endParaRPr lang="en-US" dirty="0"/>
+                    </a:p>
+                  </a:txBody>
+                  <a:tcPr/>
+                </a:tc>
+                <a:tc>
+                  <a:txBody>
+                    <a:bodyPr/>
+                    <a:lstStyle/>
+                    <a:p>
+                      <a:r>
+                        <a:rPr lang="en-US" dirty="0" smtClean="0"/>
+                        <a:t>Attempts</a:t>
+                      </a:r>
+                      <a:r>
+                        <a:rPr lang="en-US" baseline="0" dirty="0" smtClean="0"/>
+                        <a:t> to detect </a:t>
+                      </a:r>
+                      <a:r>
+                        <a:rPr lang="en-US" baseline="0" dirty="0" err="1" smtClean="0"/>
+                        <a:t>casaulity</a:t>
+                      </a:r>
+                      <a:endParaRPr lang="en-US" dirty="0"/>
+                    </a:p>
+                  </a:txBody>
+                  <a:tcPr/>
+                </a:tc>
+                <a:tc>
+                  <a:txBody>
+                    <a:bodyPr/>
+                    <a:lstStyle/>
+                    <a:p>
+                      <a:r>
+                        <a:rPr lang="en-US" dirty="0" smtClean="0"/>
+                        <a:t>Hypothesis test, poor validation framework</a:t>
+                      </a:r>
+                      <a:endParaRPr lang="en-US" dirty="0"/>
+                    </a:p>
+                  </a:txBody>
+                  <a:tcPr/>
+                </a:tc>
+                <a:tc>
+                  <a:txBody>
+                    <a:bodyPr/>
+                    <a:lstStyle/>
+                    <a:p>
+                      <a:r>
+                        <a:rPr lang="en-US" dirty="0" err="1" smtClean="0"/>
+                        <a:t>Casaulity</a:t>
+                      </a:r>
+                      <a:r>
+                        <a:rPr lang="en-US" baseline="0" dirty="0" smtClean="0"/>
+                        <a:t> expected in reverse direction</a:t>
+                      </a:r>
+                      <a:endParaRPr lang="en-US" dirty="0"/>
+                    </a:p>
+                  </a:txBody>
+                  <a:tcPr/>
+                </a:tc>
+              </a:tr>
+              <a:tr h="751807">
+                <a:tc>
+                  <a:txBody>
+                    <a:bodyPr/>
+                    <a:lstStyle/>
+                    <a:p>
+                      <a:r>
+                        <a:rPr lang="en-US" dirty="0" smtClean="0"/>
+                        <a:t>Linear Model,</a:t>
+                      </a:r>
+                    </a:p>
+                    <a:p>
+                      <a:r>
+                        <a:rPr lang="en-US" dirty="0" smtClean="0"/>
+                        <a:t>With</a:t>
+                      </a:r>
+                      <a:r>
+                        <a:rPr lang="en-US" baseline="0" dirty="0" smtClean="0"/>
+                        <a:t> Lag</a:t>
+                      </a:r>
+                      <a:endParaRPr lang="en-US" dirty="0" smtClean="0"/>
+                    </a:p>
+                    <a:p>
+                      <a:endParaRPr lang="en-US" dirty="0" smtClean="0"/>
+                    </a:p>
+                  </a:txBody>
+                  <a:tcPr/>
+                </a:tc>
+                <a:tc>
+                  <a:txBody>
+                    <a:bodyPr/>
+                    <a:lstStyle/>
+                    <a:p>
+                      <a:endParaRPr lang="en-US"/>
+                    </a:p>
+                  </a:txBody>
+                  <a:tcPr/>
+                </a:tc>
+                <a:tc>
+                  <a:txBody>
+                    <a:bodyPr/>
+                    <a:lstStyle/>
+                    <a:p>
+                      <a:endParaRPr lang="en-US"/>
+                    </a:p>
+                  </a:txBody>
+                  <a:tcPr/>
+                </a:tc>
+                <a:tc>
+                  <a:txBody>
+                    <a:bodyPr/>
+                    <a:lstStyle/>
+                    <a:p>
+                      <a:endParaRPr lang="en-US"/>
+                    </a:p>
+                  </a:txBody>
+                  <a:tcPr/>
+                </a:tc>
+              </a:tr>
+              <a:tr h="751807">
+                <a:tc>
+                  <a:txBody>
+                    <a:bodyPr/>
+                    <a:lstStyle/>
+                    <a:p>
+                      <a:endParaRPr lang="en-US"/>
+                    </a:p>
+                  </a:txBody>
+                  <a:tcPr/>
+                </a:tc>
+                <a:tc>
+                  <a:txBody>
+                    <a:bodyPr/>
+                    <a:lstStyle/>
+                    <a:p>
+                      <a:endParaRPr lang="en-US"/>
+                    </a:p>
+                  </a:txBody>
+                  <a:tcPr/>
+                </a:tc>
+                <a:tc>
+                  <a:txBody>
+                    <a:bodyPr/>
+                    <a:lstStyle/>
+                    <a:p>
+                      <a:endParaRPr lang="en-US"/>
+                    </a:p>
+                  </a:txBody>
+                  <a:tcPr/>
+                </a:tc>
+                <a:tc>
+                  <a:txBody>
+                    <a:bodyPr/>
+                    <a:lstStyle/>
+                    <a:p>
+                      <a:endParaRPr lang="en-US"/>
+                    </a:p>
+                  </a:txBody>
+                  <a:tcPr/>
+                </a:tc>
+              </a:tr>
+              <a:tr h="751807">
+                <a:tc>
+                  <a:txBody>
+                    <a:bodyPr/>
+                    <a:lstStyle/>
+                    <a:p>
+                      <a:endParaRPr lang="en-US"/>
+                    </a:p>
+                  </a:txBody>
+                  <a:tcPr/>
+                </a:tc>
+                <a:tc>
+                  <a:txBody>
+                    <a:bodyPr/>
+                    <a:lstStyle/>
+                    <a:p>
+                      <a:endParaRPr lang="en-US"/>
+                    </a:p>
+                  </a:txBody>
+                  <a:tcPr/>
+                </a:tc>
+                <a:tc>
+                  <a:txBody>
+                    <a:bodyPr/>
+                    <a:lstStyle/>
+                    <a:p>
+                      <a:endParaRPr lang="en-US"/>
+                    </a:p>
+                  </a:txBody>
+                  <a:tcPr/>
+                </a:tc>
+                <a:tc>
+                  <a:txBody>
+                    <a:bodyPr/>
+                    <a:lstStyle/>
+                    <a:p>
+                      <a:endParaRPr lang="en-US"/>
+                    </a:p>
+                  </a:txBody>
+                  <a:tcPr/>
+                </a:tc>
+              </a:tr>
+              <a:tr h="751807">
+                <a:tc>
+                  <a:txBody>
+                    <a:bodyPr/>
+                    <a:lstStyle/>
+                    <a:p>
+                      <a:endParaRPr lang="en-US"/>
+                    </a:p>
+                  </a:txBody>
+                  <a:tcPr/>
+                </a:tc>
+                <a:tc>
+                  <a:txBody>
+                    <a:bodyPr/>
+                    <a:lstStyle/>
+                    <a:p>
+                      <a:endParaRPr lang="en-US"/>
+                    </a:p>
+                  </a:txBody>
+                  <a:tcPr/>
+                </a:tc>
+                <a:tc>
+                  <a:txBody>
+                    <a:bodyPr/>
+                    <a:lstStyle/>
+                    <a:p>
+                      <a:endParaRPr lang="en-US"/>
+                    </a:p>
+                  </a:txBody>
+                  <a:tcPr/>
+                </a:tc>
+                <a:tc>
+                  <a:txBody>
+                    <a:bodyPr/>
+                    <a:lstStyle/>
+                    <a:p>
+                      <a:endParaRPr lang="en-US" dirty="0"/>
+                    </a:p>
+                  </a:txBody>
+                  <a:tcPr/>
+                </a:tc>
+              </a:tr>
+            </a:tbl>
+          </a:graphicData>
+        </a:graphic>
+      </p:graphicFrame>
+    </p:spTree>
+    <p:extLst>
+      <p:ext uri="{BB962C8B-B14F-4D97-AF65-F5344CB8AC3E}">
+        <p14:creationId xmlns:p14="http://schemas.microsoft.com/office/powerpoint/2010/main" val="3072849913"/>
+      </p:ext>
+    </p:extLst>
+  </p:cSld>
+  <p:clrMapOvr>
+    <a:masterClrMapping/>
+  </p:clrMapOvr>
+  <p:timing>
+    <p:tnLst>
+      <p:par>
+        <p:cTn xmlns:p14="http://schemas.microsoft.com/office/powerpoint/2010/main" id="1" dur="indefinite" restart="never" nodeType="tmRoot"/>
+      </p:par>
+    </p:tnLst>
+  </p:timing>
+</p:sld>
+</file>
+
+<file path=ppt/slides/slide14.xml><?xml version="1.0" encoding="utf-8"?>
+<p:sld xmlns:a="http://schemas.openxmlformats.org/drawingml/2006/main" xmlns:r="http://schemas.openxmlformats.org/officeDocument/2006/relationships" xmlns:p="http://schemas.openxmlformats.org/presentationml/2006/main">
+  <p:cSld>
+    <p:spTree>
+      <p:nvGrpSpPr>
+        <p:cNvPr id="1" name=""/>
+        <p:cNvGrpSpPr/>
+        <p:nvPr/>
+      </p:nvGrpSpPr>
+      <p:grpSpPr>
+        <a:xfrm>
+          <a:off x="0" y="0"/>
+          <a:ext cx="0" cy="0"/>
+          <a:chOff x="0" y="0"/>
+          <a:chExt cx="0" cy="0"/>
+        </a:xfrm>
+      </p:grpSpPr>
+      <p:sp>
+        <p:nvSpPr>
+          <p:cNvPr id="2" name="Title 1"/>
+          <p:cNvSpPr>
+            <a:spLocks noGrp="1"/>
+          </p:cNvSpPr>
+          <p:nvPr>
+            <p:ph type="title"/>
+          </p:nvPr>
+        </p:nvSpPr>
+        <p:spPr/>
+        <p:txBody>
+          <a:bodyPr/>
+          <a:lstStyle/>
+          <a:p>
+            <a:r>
+              <a:rPr lang="en-US" dirty="0" smtClean="0"/>
+              <a:t>Stray Observations</a:t>
+            </a:r>
+            <a:endParaRPr lang="en-US" dirty="0"/>
+          </a:p>
+        </p:txBody>
+      </p:sp>
+    </p:spTree>
+    <p:extLst>
+      <p:ext uri="{BB962C8B-B14F-4D97-AF65-F5344CB8AC3E}">
+        <p14:creationId xmlns:p14="http://schemas.microsoft.com/office/powerpoint/2010/main" val="3769174536"/>
       </p:ext>
     </p:extLst>
   </p:cSld>
@@ -3900,7 +5701,7 @@
           <a:p>
             <a:r>
               <a:rPr lang="en-US" dirty="0" smtClean="0"/>
-              <a:t>Problem</a:t>
+              <a:t>Problems</a:t>
             </a:r>
             <a:endParaRPr lang="en-US" dirty="0"/>
           </a:p>
@@ -4029,14 +5830,38 @@
           <a:p>
             <a:r>
               <a:rPr lang="en-US" dirty="0" smtClean="0"/>
-              <a:t>Can we use data to gain insight into what is driving these issues?</a:t>
-            </a:r>
-          </a:p>
-          <a:p>
+              <a:t>Can we </a:t>
+            </a:r>
+            <a:r>
+              <a:rPr lang="en-US" b="1" i="1" u="sng" dirty="0" smtClean="0"/>
+              <a:t>use data to gain insight </a:t>
+            </a:r>
             <a:r>
               <a:rPr lang="en-US" dirty="0" smtClean="0"/>
-              <a:t>Can we understand how to make a better digital currency?</a:t>
-            </a:r>
+              <a:t>into what is driving some these issues?</a:t>
+            </a:r>
+          </a:p>
+          <a:p>
+            <a:r>
+              <a:rPr lang="en-US" dirty="0" smtClean="0"/>
+              <a:t>Provide actionable analysis?</a:t>
+            </a:r>
+          </a:p>
+          <a:p>
+            <a:r>
+              <a:rPr lang="en-US" dirty="0" smtClean="0"/>
+              <a:t>Can we understand how to design </a:t>
+            </a:r>
+            <a:r>
+              <a:rPr lang="en-US" b="1" i="1" u="sng" dirty="0" smtClean="0"/>
+              <a:t>a better </a:t>
+            </a:r>
+            <a:r>
+              <a:rPr lang="en-US" dirty="0" smtClean="0"/>
+              <a:t>digital currency?</a:t>
+            </a:r>
+          </a:p>
+          <a:p>
             <a:endParaRPr lang="en-US" dirty="0"/>
           </a:p>
         </p:txBody>
@@ -4117,31 +5942,35 @@
           <a:lstStyle/>
           <a:p>
             <a:r>
-              <a:rPr lang="en-US" dirty="0" smtClean="0"/>
+              <a:rPr lang="en-US" sz="4400" dirty="0" smtClean="0">
+                <a:solidFill>
+                  <a:srgbClr val="FF0000"/>
+                </a:solidFill>
+              </a:rPr>
               <a:t>Volatility</a:t>
             </a:r>
           </a:p>
           <a:p>
             <a:r>
-              <a:rPr lang="en-US" dirty="0" smtClean="0"/>
+              <a:rPr lang="en-US" sz="1600" dirty="0" smtClean="0"/>
               <a:t>Little Regulation</a:t>
             </a:r>
           </a:p>
           <a:p>
             <a:r>
-              <a:rPr lang="en-US" dirty="0" smtClean="0"/>
+              <a:rPr lang="en-US" sz="1600" dirty="0" smtClean="0"/>
               <a:t>Illicit Uses</a:t>
             </a:r>
           </a:p>
           <a:p>
             <a:r>
-              <a:rPr lang="en-US" dirty="0" smtClean="0"/>
+              <a:rPr lang="en-US" sz="1600" dirty="0" smtClean="0"/>
               <a:t>Prominent Thefts</a:t>
             </a:r>
           </a:p>
           <a:p>
             <a:r>
-              <a:rPr lang="en-US" dirty="0" smtClean="0"/>
+              <a:rPr lang="en-US" sz="1600" dirty="0" smtClean="0"/>
               <a:t>Community Disagreement</a:t>
             </a:r>
           </a:p>
@@ -4207,83 +6036,244 @@
           </a:p>
         </p:txBody>
       </p:sp>
-      <p:sp>
-        <p:nvSpPr>
-          <p:cNvPr id="3" name="Content Placeholder 2"/>
-          <p:cNvSpPr>
-            <a:spLocks noGrp="1"/>
-          </p:cNvSpPr>
-          <p:nvPr>
-            <p:ph idx="1"/>
-          </p:nvPr>
-        </p:nvSpPr>
-        <p:spPr/>
-        <p:txBody>
-          <a:bodyPr/>
-          <a:lstStyle/>
-          <a:p>
-            <a:r>
-              <a:rPr lang="en-US" dirty="0" smtClean="0"/>
-              <a:t>Online Ecosystems</a:t>
-            </a:r>
-          </a:p>
-          <a:p>
-            <a:pPr lvl="1"/>
-            <a:r>
-              <a:rPr lang="en-US" dirty="0" smtClean="0"/>
-              <a:t>Mobile games</a:t>
-            </a:r>
-          </a:p>
-          <a:p>
-            <a:pPr lvl="1"/>
-            <a:r>
-              <a:rPr lang="en-US" dirty="0" smtClean="0"/>
-              <a:t>MMORPGs</a:t>
-            </a:r>
-          </a:p>
-          <a:p>
-            <a:pPr lvl="2"/>
-            <a:r>
-              <a:rPr lang="en-US" dirty="0" smtClean="0"/>
-              <a:t>EVE Online</a:t>
-            </a:r>
-          </a:p>
-          <a:p>
-            <a:pPr lvl="2"/>
-            <a:endParaRPr lang="en-US" dirty="0" smtClean="0"/>
-          </a:p>
-          <a:p>
-            <a:r>
-              <a:rPr lang="en-US" dirty="0" smtClean="0"/>
-              <a:t>Mega-corporations</a:t>
-            </a:r>
-          </a:p>
-          <a:p>
-            <a:r>
-              <a:rPr lang="en-US" dirty="0" smtClean="0"/>
-              <a:t>Niche economies</a:t>
-            </a:r>
-            <a:endParaRPr lang="en-US" dirty="0"/>
+      <p:pic>
+        <p:nvPicPr>
+          <p:cNvPr id="5" name="Picture 4"/>
+          <p:cNvPicPr>
+            <a:picLocks noChangeAspect="1"/>
+          </p:cNvPicPr>
+          <p:nvPr/>
+        </p:nvPicPr>
+        <p:blipFill>
+          <a:blip r:embed="rId2"/>
+          <a:stretch>
+            <a:fillRect/>
+          </a:stretch>
+        </p:blipFill>
+        <p:spPr>
+          <a:xfrm>
+            <a:off x="6286500" y="1925931"/>
+            <a:ext cx="2400300" cy="3390900"/>
+          </a:xfrm>
+          <a:prstGeom prst="rect">
+            <a:avLst/>
+          </a:prstGeom>
+        </p:spPr>
+      </p:pic>
+      <p:pic>
+        <p:nvPicPr>
+          <p:cNvPr id="6" name="Picture 5"/>
+          <p:cNvPicPr>
+            <a:picLocks noChangeAspect="1"/>
+          </p:cNvPicPr>
+          <p:nvPr/>
+        </p:nvPicPr>
+        <p:blipFill>
+          <a:blip r:embed="rId3"/>
+          <a:stretch>
+            <a:fillRect/>
+          </a:stretch>
+        </p:blipFill>
+        <p:spPr>
+          <a:xfrm>
+            <a:off x="213078" y="1670757"/>
+            <a:ext cx="2552700" cy="3187700"/>
+          </a:xfrm>
+          <a:prstGeom prst="rect">
+            <a:avLst/>
+          </a:prstGeom>
+        </p:spPr>
+      </p:pic>
+      <p:pic>
+        <p:nvPicPr>
+          <p:cNvPr id="7" name="Picture 6"/>
+          <p:cNvPicPr>
+            <a:picLocks noChangeAspect="1"/>
+          </p:cNvPicPr>
+          <p:nvPr/>
+        </p:nvPicPr>
+        <p:blipFill>
+          <a:blip r:embed="rId4"/>
+          <a:stretch>
+            <a:fillRect/>
+          </a:stretch>
+        </p:blipFill>
+        <p:spPr>
+          <a:xfrm>
+            <a:off x="3052233" y="3888081"/>
+            <a:ext cx="2857500" cy="2857500"/>
+          </a:xfrm>
+          <a:prstGeom prst="rect">
+            <a:avLst/>
+          </a:prstGeom>
+        </p:spPr>
+      </p:pic>
+      <p:sp>
+        <p:nvSpPr>
+          <p:cNvPr id="8" name="Multiply 7"/>
+          <p:cNvSpPr/>
+          <p:nvPr/>
+        </p:nvSpPr>
+        <p:spPr>
+          <a:xfrm>
+            <a:off x="620889" y="2114079"/>
+            <a:ext cx="1712148" cy="1962150"/>
+          </a:xfrm>
+          <a:prstGeom prst="mathMultiply">
+            <a:avLst/>
+          </a:prstGeom>
+          <a:gradFill>
+            <a:gsLst>
+              <a:gs pos="0">
+                <a:srgbClr val="FF0000"/>
+              </a:gs>
+              <a:gs pos="100000">
+                <a:schemeClr val="accent2">
+                  <a:tint val="50000"/>
+                  <a:shade val="100000"/>
+                  <a:satMod val="350000"/>
+                </a:schemeClr>
+              </a:gs>
+            </a:gsLst>
+          </a:gradFill>
+        </p:spPr>
+        <p:style>
+          <a:lnRef idx="0">
+            <a:schemeClr val="accent2"/>
+          </a:lnRef>
+          <a:fillRef idx="3">
+            <a:schemeClr val="accent2"/>
+          </a:fillRef>
+          <a:effectRef idx="3">
+            <a:schemeClr val="accent2"/>
+          </a:effectRef>
+          <a:fontRef idx="minor">
+            <a:schemeClr val="lt1"/>
+          </a:fontRef>
+        </p:style>
+        <p:txBody>
+          <a:bodyPr rtlCol="0" anchor="ctr"/>
+          <a:lstStyle/>
+          <a:p>
+            <a:pPr algn="ctr"/>
+            <a:endParaRPr lang="en-US"/>
+          </a:p>
+        </p:txBody>
+      </p:sp>
+      <p:sp>
+        <p:nvSpPr>
+          <p:cNvPr id="9" name="Multiply 8"/>
+          <p:cNvSpPr/>
+          <p:nvPr/>
+        </p:nvSpPr>
+        <p:spPr>
+          <a:xfrm>
+            <a:off x="6775214" y="1805516"/>
+            <a:ext cx="1712148" cy="1962150"/>
+          </a:xfrm>
+          <a:prstGeom prst="mathMultiply">
+            <a:avLst/>
+          </a:prstGeom>
+          <a:gradFill>
+            <a:gsLst>
+              <a:gs pos="0">
+                <a:srgbClr val="FF0000"/>
+              </a:gs>
+              <a:gs pos="100000">
+                <a:schemeClr val="accent2">
+                  <a:tint val="50000"/>
+                  <a:shade val="100000"/>
+                  <a:satMod val="350000"/>
+                </a:schemeClr>
+              </a:gs>
+            </a:gsLst>
+          </a:gradFill>
+        </p:spPr>
+        <p:style>
+          <a:lnRef idx="0">
+            <a:schemeClr val="accent2"/>
+          </a:lnRef>
+          <a:fillRef idx="3">
+            <a:schemeClr val="accent2"/>
+          </a:fillRef>
+          <a:effectRef idx="3">
+            <a:schemeClr val="accent2"/>
+          </a:effectRef>
+          <a:fontRef idx="minor">
+            <a:schemeClr val="lt1"/>
+          </a:fontRef>
+        </p:style>
+        <p:txBody>
+          <a:bodyPr rtlCol="0" anchor="ctr"/>
+          <a:lstStyle/>
+          <a:p>
+            <a:pPr algn="ctr"/>
+            <a:endParaRPr lang="en-US"/>
+          </a:p>
+        </p:txBody>
+      </p:sp>
+      <p:sp>
+        <p:nvSpPr>
+          <p:cNvPr id="10" name="Multiply 9"/>
+          <p:cNvSpPr/>
+          <p:nvPr/>
+        </p:nvSpPr>
+        <p:spPr>
+          <a:xfrm>
+            <a:off x="3531541" y="4228629"/>
+            <a:ext cx="1712148" cy="1962150"/>
+          </a:xfrm>
+          <a:prstGeom prst="mathMultiply">
+            <a:avLst/>
+          </a:prstGeom>
+          <a:gradFill>
+            <a:gsLst>
+              <a:gs pos="0">
+                <a:srgbClr val="FF0000"/>
+              </a:gs>
+              <a:gs pos="100000">
+                <a:schemeClr val="accent2">
+                  <a:tint val="50000"/>
+                  <a:shade val="100000"/>
+                  <a:satMod val="350000"/>
+                </a:schemeClr>
+              </a:gs>
+            </a:gsLst>
+          </a:gradFill>
+        </p:spPr>
+        <p:style>
+          <a:lnRef idx="0">
+            <a:schemeClr val="accent2"/>
+          </a:lnRef>
+          <a:fillRef idx="3">
+            <a:schemeClr val="accent2"/>
+          </a:fillRef>
+          <a:effectRef idx="3">
+            <a:schemeClr val="accent2"/>
+          </a:effectRef>
+          <a:fontRef idx="minor">
+            <a:schemeClr val="lt1"/>
+          </a:fontRef>
+        </p:style>
+        <p:txBody>
+          <a:bodyPr rtlCol="0" anchor="ctr"/>
+          <a:lstStyle/>
+          <a:p>
+            <a:pPr algn="ctr"/>
+            <a:endParaRPr lang="en-US"/>
           </a:p>
         </p:txBody>
       </p:sp>
     </p:spTree>
     <p:extLst>
       <p:ext uri="{BB962C8B-B14F-4D97-AF65-F5344CB8AC3E}">
-        <p14:creationId xmlns:p14="http://schemas.microsoft.com/office/powerpoint/2010/main" val="2723598463"/>
+        <p14:creationId xmlns:p14="http://schemas.microsoft.com/office/powerpoint/2010/main" val="1551451246"/>
       </p:ext>
     </p:extLst>
   </p:cSld>
   <p:clrMapOvr>
     <a:masterClrMapping/>
   </p:clrMapOvr>
-  <p:timing>
-    <p:tnLst>
-      <p:par>
-        <p:cTn xmlns:p14="http://schemas.microsoft.com/office/powerpoint/2010/main" id="1" dur="indefinite" restart="never" nodeType="tmRoot"/>
-      </p:par>
-    </p:tnLst>
-  </p:timing>
 </p:sld>
 </file>
 
@@ -4321,7 +6311,7 @@
           <a:p>
             <a:r>
               <a:rPr lang="en-US" dirty="0" smtClean="0"/>
-              <a:t>Unique Data</a:t>
+              <a:t>Applications</a:t>
             </a:r>
             <a:endParaRPr lang="en-US" dirty="0"/>
           </a:p>
@@ -4343,35 +6333,61 @@
           <a:lstStyle/>
           <a:p>
             <a:r>
+              <a:rPr lang="en-US" b="1" dirty="0" smtClean="0"/>
+              <a:t>Enable Self-Regulating Ecosystems</a:t>
+            </a:r>
+          </a:p>
+          <a:p>
+            <a:pPr lvl="1"/>
+            <a:r>
               <a:rPr lang="en-US" dirty="0" smtClean="0"/>
-              <a:t>We can see every </a:t>
+              <a:t>Gaming</a:t>
+            </a:r>
+          </a:p>
+          <a:p>
+            <a:pPr lvl="2"/>
+            <a:r>
+              <a:rPr lang="en-US" dirty="0" smtClean="0"/>
+              <a:t>MMORPGs</a:t>
+            </a:r>
+          </a:p>
+          <a:p>
+            <a:pPr lvl="3"/>
+            <a:r>
+              <a:rPr lang="en-US" dirty="0" smtClean="0"/>
+              <a:t>EVE Online</a:t>
+            </a:r>
+          </a:p>
+          <a:p>
+            <a:pPr lvl="3"/>
+            <a:r>
+              <a:rPr lang="en-US" dirty="0" smtClean="0"/>
+              <a:t>World of </a:t>
             </a:r>
             <a:r>
               <a:rPr lang="en-US" dirty="0" err="1" smtClean="0"/>
-              <a:t>tx</a:t>
-            </a:r>
+              <a:t>Warcraft</a:t>
+            </a:r>
+            <a:endParaRPr lang="en-US" dirty="0" smtClean="0"/>
+          </a:p>
+          <a:p>
+            <a:pPr lvl="1"/>
             <a:r>
               <a:rPr lang="en-US" dirty="0" smtClean="0"/>
-              <a:t> in the whole network for it’s entire history, and it’s updated in real time</a:t>
-            </a:r>
-          </a:p>
-          <a:p>
-            <a:r>
-              <a:rPr lang="en-US" dirty="0" err="1" smtClean="0"/>
-              <a:t>Pseuodo</a:t>
-            </a:r>
+              <a:t>Mega-corporations</a:t>
+            </a:r>
+          </a:p>
+          <a:p>
+            <a:pPr lvl="1"/>
             <a:r>
               <a:rPr lang="en-US" dirty="0" smtClean="0"/>
-              <a:t>-anonymity</a:t>
-            </a:r>
-          </a:p>
-          <a:p>
-            <a:endParaRPr lang="en-US" dirty="0"/>
+              <a:t>Niche economies</a:t>
+            </a:r>
           </a:p>
           <a:p>
             <a:r>
               <a:rPr lang="en-US" dirty="0" smtClean="0"/>
-              <a:t>Many APIs</a:t>
+              <a:t>Reduce Reputational and Operational Risk</a:t>
             </a:r>
             <a:endParaRPr lang="en-US" dirty="0"/>
           </a:p>
@@ -4380,7 +6396,7 @@
     </p:spTree>
     <p:extLst>
       <p:ext uri="{BB962C8B-B14F-4D97-AF65-F5344CB8AC3E}">
-        <p14:creationId xmlns:p14="http://schemas.microsoft.com/office/powerpoint/2010/main" val="3171455161"/>
+        <p14:creationId xmlns:p14="http://schemas.microsoft.com/office/powerpoint/2010/main" val="2723598463"/>
       </p:ext>
     </p:extLst>
   </p:cSld>
@@ -4431,6 +6447,114 @@
           <a:p>
             <a:r>
               <a:rPr lang="en-US" dirty="0" smtClean="0"/>
+              <a:t>Unique Data</a:t>
+            </a:r>
+            <a:endParaRPr lang="en-US" dirty="0"/>
+          </a:p>
+        </p:txBody>
+      </p:sp>
+      <p:sp>
+        <p:nvSpPr>
+          <p:cNvPr id="3" name="Content Placeholder 2"/>
+          <p:cNvSpPr>
+            <a:spLocks noGrp="1"/>
+          </p:cNvSpPr>
+          <p:nvPr>
+            <p:ph idx="1"/>
+          </p:nvPr>
+        </p:nvSpPr>
+        <p:spPr/>
+        <p:txBody>
+          <a:bodyPr/>
+          <a:lstStyle/>
+          <a:p>
+            <a:r>
+              <a:rPr lang="en-US" dirty="0" smtClean="0"/>
+              <a:t>We can see every </a:t>
+            </a:r>
+            <a:r>
+              <a:rPr lang="en-US" dirty="0" err="1" smtClean="0"/>
+              <a:t>tx</a:t>
+            </a:r>
+            <a:r>
+              <a:rPr lang="en-US" dirty="0" smtClean="0"/>
+              <a:t> in the whole network for it’s entire history, and it’s updated in real time</a:t>
+            </a:r>
+          </a:p>
+          <a:p>
+            <a:r>
+              <a:rPr lang="en-US" dirty="0" err="1" smtClean="0"/>
+              <a:t>Pseuodo</a:t>
+            </a:r>
+            <a:r>
+              <a:rPr lang="en-US" dirty="0" smtClean="0"/>
+              <a:t>-anonymity</a:t>
+            </a:r>
+            <a:endParaRPr lang="en-US" dirty="0"/>
+          </a:p>
+          <a:p>
+            <a:r>
+              <a:rPr lang="en-US" dirty="0" smtClean="0"/>
+              <a:t>Many APIs and assembled datasets</a:t>
+            </a:r>
+            <a:endParaRPr lang="en-US" dirty="0"/>
+          </a:p>
+        </p:txBody>
+      </p:sp>
+    </p:spTree>
+    <p:extLst>
+      <p:ext uri="{BB962C8B-B14F-4D97-AF65-F5344CB8AC3E}">
+        <p14:creationId xmlns:p14="http://schemas.microsoft.com/office/powerpoint/2010/main" val="3171455161"/>
+      </p:ext>
+    </p:extLst>
+  </p:cSld>
+  <p:clrMapOvr>
+    <a:masterClrMapping/>
+  </p:clrMapOvr>
+  <p:timing>
+    <p:tnLst>
+      <p:par>
+        <p:cTn xmlns:p14="http://schemas.microsoft.com/office/powerpoint/2010/main" id="1" dur="indefinite" restart="never" nodeType="tmRoot"/>
+      </p:par>
+    </p:tnLst>
+  </p:timing>
+</p:sld>
+</file>
+
+<file path=ppt/slides/slide9.xml><?xml version="1.0" encoding="utf-8"?>
+<p:sld xmlns:a="http://schemas.openxmlformats.org/drawingml/2006/main" xmlns:r="http://schemas.openxmlformats.org/officeDocument/2006/relationships" xmlns:p="http://schemas.openxmlformats.org/presentationml/2006/main">
+  <p:cSld>
+    <p:spTree>
+      <p:nvGrpSpPr>
+        <p:cNvPr id="1" name=""/>
+        <p:cNvGrpSpPr/>
+        <p:nvPr/>
+      </p:nvGrpSpPr>
+      <p:grpSpPr>
+        <a:xfrm>
+          <a:off x="0" y="0"/>
+          <a:ext cx="0" cy="0"/>
+          <a:chOff x="0" y="0"/>
+          <a:chExt cx="0" cy="0"/>
+        </a:xfrm>
+      </p:grpSpPr>
+      <p:sp>
+        <p:nvSpPr>
+          <p:cNvPr id="2" name="Title 1"/>
+          <p:cNvSpPr>
+            <a:spLocks noGrp="1"/>
+          </p:cNvSpPr>
+          <p:nvPr>
+            <p:ph type="title"/>
+          </p:nvPr>
+        </p:nvSpPr>
+        <p:spPr/>
+        <p:txBody>
+          <a:bodyPr/>
+          <a:lstStyle/>
+          <a:p>
+            <a:r>
+              <a:rPr lang="en-US" dirty="0" smtClean="0"/>
               <a:t>Goal</a:t>
             </a:r>
             <a:endParaRPr lang="en-US" dirty="0"/>
@@ -4458,7 +6582,7 @@
             </a:r>
             <a:r>
               <a:rPr lang="en-US" b="1" u="sng" dirty="0" smtClean="0"/>
-              <a:t>early signals of price volatility </a:t>
+              <a:t>early signals of price or volatility </a:t>
             </a:r>
             <a:r>
               <a:rPr lang="en-US" dirty="0" smtClean="0"/>
@@ -4509,718 +6633,6 @@
       </p:par>
     </p:tnLst>
   </p:timing>
-</p:sld>
-</file>
-
-<file path=ppt/slides/slide9.xml><?xml version="1.0" encoding="utf-8"?>
-<p:sld xmlns:a="http://schemas.openxmlformats.org/drawingml/2006/main" xmlns:r="http://schemas.openxmlformats.org/officeDocument/2006/relationships" xmlns:p="http://schemas.openxmlformats.org/presentationml/2006/main">
-  <p:cSld>
-    <p:spTree>
-      <p:nvGrpSpPr>
-        <p:cNvPr id="1" name=""/>
-        <p:cNvGrpSpPr/>
-        <p:nvPr/>
-      </p:nvGrpSpPr>
-      <p:grpSpPr>
-        <a:xfrm>
-          <a:off x="0" y="0"/>
-          <a:ext cx="0" cy="0"/>
-          <a:chOff x="0" y="0"/>
-          <a:chExt cx="0" cy="0"/>
-        </a:xfrm>
-      </p:grpSpPr>
-      <p:sp>
-        <p:nvSpPr>
-          <p:cNvPr id="2" name="Title 1"/>
-          <p:cNvSpPr>
-            <a:spLocks noGrp="1"/>
-          </p:cNvSpPr>
-          <p:nvPr>
-            <p:ph type="title"/>
-          </p:nvPr>
-        </p:nvSpPr>
-        <p:spPr/>
-        <p:txBody>
-          <a:bodyPr/>
-          <a:lstStyle/>
-          <a:p>
-            <a:r>
-              <a:rPr lang="en-US" dirty="0" smtClean="0"/>
-              <a:t>Features</a:t>
-            </a:r>
-            <a:endParaRPr lang="en-US" dirty="0"/>
-          </a:p>
-        </p:txBody>
-      </p:sp>
-      <p:sp>
-        <p:nvSpPr>
-          <p:cNvPr id="4" name="Content Placeholder 3"/>
-          <p:cNvSpPr>
-            <a:spLocks noGrp="1"/>
-          </p:cNvSpPr>
-          <p:nvPr>
-            <p:ph sz="half" idx="1"/>
-          </p:nvPr>
-        </p:nvSpPr>
-        <p:spPr/>
-        <p:txBody>
-          <a:bodyPr/>
-          <a:lstStyle/>
-          <a:p>
-            <a:r>
-              <a:rPr lang="en-US" dirty="0" smtClean="0"/>
-              <a:t>Aggregate </a:t>
-            </a:r>
-            <a:r>
-              <a:rPr lang="en-US" dirty="0" err="1" smtClean="0"/>
-              <a:t>bitcoin</a:t>
-            </a:r>
-            <a:r>
-              <a:rPr lang="en-US" dirty="0" smtClean="0"/>
-              <a:t> data</a:t>
-            </a:r>
-            <a:endParaRPr lang="en-US" dirty="0"/>
-          </a:p>
-        </p:txBody>
-      </p:sp>
-      <p:sp>
-        <p:nvSpPr>
-          <p:cNvPr id="5" name="Content Placeholder 4"/>
-          <p:cNvSpPr>
-            <a:spLocks noGrp="1"/>
-          </p:cNvSpPr>
-          <p:nvPr>
-            <p:ph sz="half" idx="2"/>
-          </p:nvPr>
-        </p:nvSpPr>
-        <p:spPr/>
-        <p:txBody>
-          <a:bodyPr/>
-          <a:lstStyle/>
-          <a:p>
-            <a:r>
-              <a:rPr lang="en-US" dirty="0" smtClean="0"/>
-              <a:t>Financial Exchange Rates (in $US)</a:t>
-            </a:r>
-          </a:p>
-          <a:p>
-            <a:pPr lvl="1"/>
-            <a:r>
-              <a:rPr lang="en-US" b="1" dirty="0" smtClean="0"/>
-              <a:t>JPY</a:t>
-            </a:r>
-          </a:p>
-          <a:p>
-            <a:pPr lvl="1"/>
-            <a:r>
-              <a:rPr lang="en-US" b="1" dirty="0" smtClean="0"/>
-              <a:t>GBP</a:t>
-            </a:r>
-          </a:p>
-          <a:p>
-            <a:pPr lvl="1"/>
-            <a:r>
-              <a:rPr lang="en-US" b="1" dirty="0" smtClean="0"/>
-              <a:t>CHF</a:t>
-            </a:r>
-          </a:p>
-          <a:p>
-            <a:pPr lvl="1"/>
-            <a:r>
-              <a:rPr lang="en-US" b="1" dirty="0" smtClean="0"/>
-              <a:t>EUR</a:t>
-            </a:r>
-          </a:p>
-          <a:p>
-            <a:pPr lvl="1"/>
-            <a:r>
-              <a:rPr lang="en-US" b="1" dirty="0" smtClean="0"/>
-              <a:t>CNY</a:t>
-            </a:r>
-          </a:p>
-          <a:p>
-            <a:pPr lvl="1"/>
-            <a:r>
-              <a:rPr lang="en-US" b="1" dirty="0" smtClean="0"/>
-              <a:t>CAD</a:t>
-            </a:r>
-          </a:p>
-          <a:p>
-            <a:pPr lvl="1"/>
-            <a:r>
-              <a:rPr lang="en-US" b="1" dirty="0" smtClean="0"/>
-              <a:t>SEK</a:t>
-            </a:r>
-            <a:endParaRPr lang="en-US" dirty="0" smtClean="0"/>
-          </a:p>
-        </p:txBody>
-      </p:sp>
-      <p:sp>
-        <p:nvSpPr>
-          <p:cNvPr id="6" name="TextBox 5"/>
-          <p:cNvSpPr txBox="1"/>
-          <p:nvPr/>
-        </p:nvSpPr>
-        <p:spPr>
-          <a:xfrm>
-            <a:off x="3828815" y="6491111"/>
-            <a:ext cx="184666" cy="369332"/>
-          </a:xfrm>
-          <a:prstGeom prst="rect">
-            <a:avLst/>
-          </a:prstGeom>
-          <a:noFill/>
-        </p:spPr>
-        <p:txBody>
-          <a:bodyPr wrap="none" rtlCol="0">
-            <a:spAutoFit/>
-          </a:bodyPr>
-          <a:lstStyle/>
-          <a:p>
-            <a:endParaRPr lang="en-US" dirty="0"/>
-          </a:p>
-        </p:txBody>
-      </p:sp>
-      <p:graphicFrame>
-        <p:nvGraphicFramePr>
-          <p:cNvPr id="8" name="Table 7"/>
-          <p:cNvGraphicFramePr>
-            <a:graphicFrameLocks noGrp="1"/>
-          </p:cNvGraphicFramePr>
-          <p:nvPr>
-            <p:extLst>
-              <p:ext uri="{D42A27DB-BD31-4B8C-83A1-F6EECF244321}">
-                <p14:modId xmlns:p14="http://schemas.microsoft.com/office/powerpoint/2010/main" val="4008677007"/>
-              </p:ext>
-            </p:extLst>
-          </p:nvPr>
-        </p:nvGraphicFramePr>
-        <p:xfrm>
-          <a:off x="176994" y="2427977"/>
-          <a:ext cx="4816546" cy="4094480"/>
-        </p:xfrm>
-        <a:graphic>
-          <a:graphicData uri="http://schemas.openxmlformats.org/drawingml/2006/table">
-            <a:tbl>
-              <a:tblPr firstRow="1" bandRow="1">
-                <a:tableStyleId>{5C22544A-7EE6-4342-B048-85BDC9FD1C3A}</a:tableStyleId>
-              </a:tblPr>
-              <a:tblGrid>
-                <a:gridCol w="1641463"/>
-                <a:gridCol w="3175083"/>
-              </a:tblGrid>
-              <a:tr h="370840">
-                <a:tc>
-                  <a:txBody>
-                    <a:bodyPr/>
-                    <a:lstStyle/>
-                    <a:p>
-                      <a:r>
-                        <a:rPr lang="en-US" dirty="0" smtClean="0"/>
-                        <a:t>Abbreviation</a:t>
-                      </a:r>
-                      <a:endParaRPr lang="en-US" dirty="0"/>
-                    </a:p>
-                  </a:txBody>
-                  <a:tcPr/>
-                </a:tc>
-                <a:tc>
-                  <a:txBody>
-                    <a:bodyPr/>
-                    <a:lstStyle/>
-                    <a:p>
-                      <a:r>
-                        <a:rPr lang="en-US" dirty="0" smtClean="0"/>
-                        <a:t>Data</a:t>
-                      </a:r>
-                      <a:endParaRPr lang="en-US" dirty="0"/>
-                    </a:p>
-                  </a:txBody>
-                  <a:tcPr/>
-                </a:tc>
-              </a:tr>
-              <a:tr h="370840">
-                <a:tc>
-                  <a:txBody>
-                    <a:bodyPr/>
-                    <a:lstStyle/>
-                    <a:p>
-                      <a:pPr algn="l" fontAlgn="b"/>
-                      <a:r>
-                        <a:rPr lang="en-US" sz="1200" b="0" i="0" u="none" strike="noStrike">
-                          <a:solidFill>
-                            <a:srgbClr val="000000"/>
-                          </a:solidFill>
-                          <a:effectLst/>
-                          <a:latin typeface="Calibri"/>
-                        </a:rPr>
-                        <a:t>ATRCT</a:t>
-                      </a:r>
-                    </a:p>
-                  </a:txBody>
-                  <a:tcPr marL="12700" marR="12700" marT="12700" marB="0" anchor="b"/>
-                </a:tc>
-                <a:tc>
-                  <a:txBody>
-                    <a:bodyPr/>
-                    <a:lstStyle/>
-                    <a:p>
-                      <a:pPr algn="l" fontAlgn="b"/>
-                      <a:r>
-                        <a:rPr lang="en-US" sz="1200" b="0" i="0" u="none" strike="noStrike">
-                          <a:solidFill>
-                            <a:srgbClr val="000000"/>
-                          </a:solidFill>
-                          <a:effectLst/>
-                          <a:latin typeface="Calibri"/>
-                        </a:rPr>
-                        <a:t>Bitcoin-Average-Transaction-Confirmation-Time</a:t>
-                      </a:r>
-                    </a:p>
-                  </a:txBody>
-                  <a:tcPr marL="12700" marR="12700" marT="12700" marB="0" anchor="b"/>
-                </a:tc>
-              </a:tr>
-              <a:tr h="370840">
-                <a:tc>
-                  <a:txBody>
-                    <a:bodyPr/>
-                    <a:lstStyle/>
-                    <a:p>
-                      <a:pPr algn="l" fontAlgn="b"/>
-                      <a:r>
-                        <a:rPr lang="en-US" sz="1200" b="0" i="0" u="none" strike="noStrike">
-                          <a:solidFill>
-                            <a:srgbClr val="000000"/>
-                          </a:solidFill>
-                          <a:effectLst/>
-                          <a:latin typeface="Calibri"/>
-                        </a:rPr>
-                        <a:t>AVBLS</a:t>
-                      </a:r>
-                    </a:p>
-                  </a:txBody>
-                  <a:tcPr marL="12700" marR="12700" marT="12700" marB="0" anchor="b"/>
-                </a:tc>
-                <a:tc>
-                  <a:txBody>
-                    <a:bodyPr/>
-                    <a:lstStyle/>
-                    <a:p>
-                      <a:pPr algn="l" fontAlgn="b"/>
-                      <a:r>
-                        <a:rPr lang="en-US" sz="1200" b="0" i="0" u="none" strike="noStrike">
-                          <a:solidFill>
-                            <a:srgbClr val="000000"/>
-                          </a:solidFill>
-                          <a:effectLst/>
-                          <a:latin typeface="Calibri"/>
-                        </a:rPr>
-                        <a:t>Bitcoin-Average-Block-Size</a:t>
-                      </a:r>
-                    </a:p>
-                  </a:txBody>
-                  <a:tcPr marL="12700" marR="12700" marT="12700" marB="0" anchor="b"/>
-                </a:tc>
-              </a:tr>
-              <a:tr h="370840">
-                <a:tc>
-                  <a:txBody>
-                    <a:bodyPr/>
-                    <a:lstStyle/>
-                    <a:p>
-                      <a:pPr algn="l" fontAlgn="b"/>
-                      <a:r>
-                        <a:rPr lang="en-US" sz="1200" b="0" i="0" u="none" strike="noStrike">
-                          <a:solidFill>
-                            <a:srgbClr val="000000"/>
-                          </a:solidFill>
-                          <a:effectLst/>
-                          <a:latin typeface="Calibri"/>
-                        </a:rPr>
-                        <a:t>ETRAV</a:t>
-                      </a:r>
-                    </a:p>
-                  </a:txBody>
-                  <a:tcPr marL="12700" marR="12700" marT="12700" marB="0" anchor="b"/>
-                </a:tc>
-                <a:tc>
-                  <a:txBody>
-                    <a:bodyPr/>
-                    <a:lstStyle/>
-                    <a:p>
-                      <a:pPr algn="l" fontAlgn="b"/>
-                      <a:r>
-                        <a:rPr lang="en-US" sz="1200" b="0" i="0" u="none" strike="noStrike">
-                          <a:solidFill>
-                            <a:srgbClr val="000000"/>
-                          </a:solidFill>
-                          <a:effectLst/>
-                          <a:latin typeface="Calibri"/>
-                        </a:rPr>
-                        <a:t>Bitcoin-Estimated-Transaction-Volume</a:t>
-                      </a:r>
-                    </a:p>
-                  </a:txBody>
-                  <a:tcPr marL="12700" marR="12700" marT="12700" marB="0" anchor="b"/>
-                </a:tc>
-              </a:tr>
-              <a:tr h="370840">
-                <a:tc>
-                  <a:txBody>
-                    <a:bodyPr/>
-                    <a:lstStyle/>
-                    <a:p>
-                      <a:pPr algn="l" fontAlgn="b"/>
-                      <a:r>
-                        <a:rPr lang="en-US" sz="1200" b="0" i="0" u="none" strike="noStrike">
-                          <a:solidFill>
-                            <a:srgbClr val="000000"/>
-                          </a:solidFill>
-                          <a:effectLst/>
-                          <a:latin typeface="Calibri"/>
-                        </a:rPr>
-                        <a:t>NADDU</a:t>
-                      </a:r>
-                    </a:p>
-                  </a:txBody>
-                  <a:tcPr marL="12700" marR="12700" marT="12700" marB="0" anchor="b"/>
-                </a:tc>
-                <a:tc>
-                  <a:txBody>
-                    <a:bodyPr/>
-                    <a:lstStyle/>
-                    <a:p>
-                      <a:pPr algn="l" fontAlgn="b"/>
-                      <a:r>
-                        <a:rPr lang="en-US" sz="1200" b="0" i="0" u="none" strike="noStrike">
-                          <a:solidFill>
-                            <a:srgbClr val="000000"/>
-                          </a:solidFill>
-                          <a:effectLst/>
-                          <a:latin typeface="Calibri"/>
-                        </a:rPr>
-                        <a:t>Bitcoin-Number-of-Unique-Bitcoin-Addresses-Used</a:t>
-                      </a:r>
-                    </a:p>
-                  </a:txBody>
-                  <a:tcPr marL="12700" marR="12700" marT="12700" marB="0" anchor="b"/>
-                </a:tc>
-              </a:tr>
-              <a:tr h="370840">
-                <a:tc>
-                  <a:txBody>
-                    <a:bodyPr/>
-                    <a:lstStyle/>
-                    <a:p>
-                      <a:pPr algn="l" fontAlgn="b"/>
-                      <a:r>
-                        <a:rPr lang="en-US" sz="1200" b="0" i="0" u="none" strike="noStrike">
-                          <a:solidFill>
-                            <a:srgbClr val="000000"/>
-                          </a:solidFill>
-                          <a:effectLst/>
-                          <a:latin typeface="Calibri"/>
-                        </a:rPr>
-                        <a:t>NTRAN</a:t>
-                      </a:r>
-                    </a:p>
-                  </a:txBody>
-                  <a:tcPr marL="12700" marR="12700" marT="12700" marB="0" anchor="b"/>
-                </a:tc>
-                <a:tc>
-                  <a:txBody>
-                    <a:bodyPr/>
-                    <a:lstStyle/>
-                    <a:p>
-                      <a:pPr algn="l" fontAlgn="b"/>
-                      <a:r>
-                        <a:rPr lang="en-US" sz="1200" b="0" i="0" u="none" strike="noStrike">
-                          <a:solidFill>
-                            <a:srgbClr val="000000"/>
-                          </a:solidFill>
-                          <a:effectLst/>
-                          <a:latin typeface="Calibri"/>
-                        </a:rPr>
-                        <a:t>Bitcoin-Number-of-Transactions</a:t>
-                      </a:r>
-                    </a:p>
-                  </a:txBody>
-                  <a:tcPr marL="12700" marR="12700" marT="12700" marB="0" anchor="b"/>
-                </a:tc>
-              </a:tr>
-              <a:tr h="370840">
-                <a:tc>
-                  <a:txBody>
-                    <a:bodyPr/>
-                    <a:lstStyle/>
-                    <a:p>
-                      <a:pPr algn="l" fontAlgn="b"/>
-                      <a:r>
-                        <a:rPr lang="en-US" sz="1200" b="0" i="0" u="none" strike="noStrike">
-                          <a:solidFill>
-                            <a:srgbClr val="000000"/>
-                          </a:solidFill>
-                          <a:effectLst/>
-                          <a:latin typeface="Calibri"/>
-                        </a:rPr>
-                        <a:t>NTRBL</a:t>
-                      </a:r>
-                    </a:p>
-                  </a:txBody>
-                  <a:tcPr marL="12700" marR="12700" marT="12700" marB="0" anchor="b"/>
-                </a:tc>
-                <a:tc>
-                  <a:txBody>
-                    <a:bodyPr/>
-                    <a:lstStyle/>
-                    <a:p>
-                      <a:pPr algn="l" fontAlgn="b"/>
-                      <a:r>
-                        <a:rPr lang="en-US" sz="1200" b="0" i="0" u="none" strike="noStrike">
-                          <a:solidFill>
-                            <a:srgbClr val="000000"/>
-                          </a:solidFill>
-                          <a:effectLst/>
-                          <a:latin typeface="Calibri"/>
-                        </a:rPr>
-                        <a:t>Bitcoin-Number-of-Transaction-per-Block</a:t>
-                      </a:r>
-                    </a:p>
-                  </a:txBody>
-                  <a:tcPr marL="12700" marR="12700" marT="12700" marB="0" anchor="b"/>
-                </a:tc>
-              </a:tr>
-              <a:tr h="370840">
-                <a:tc>
-                  <a:txBody>
-                    <a:bodyPr/>
-                    <a:lstStyle/>
-                    <a:p>
-                      <a:pPr algn="l" fontAlgn="b"/>
-                      <a:r>
-                        <a:rPr lang="en-US" sz="1200" b="0" i="0" u="none" strike="noStrike">
-                          <a:solidFill>
-                            <a:srgbClr val="000000"/>
-                          </a:solidFill>
-                          <a:effectLst/>
-                          <a:latin typeface="Calibri"/>
-                        </a:rPr>
-                        <a:t>NTREP</a:t>
-                      </a:r>
-                    </a:p>
-                  </a:txBody>
-                  <a:tcPr marL="12700" marR="12700" marT="12700" marB="0" anchor="b"/>
-                </a:tc>
-                <a:tc>
-                  <a:txBody>
-                    <a:bodyPr/>
-                    <a:lstStyle/>
-                    <a:p>
-                      <a:pPr algn="l" fontAlgn="b"/>
-                      <a:r>
-                        <a:rPr lang="en-US" sz="1200" b="0" i="0" u="none" strike="noStrike">
-                          <a:solidFill>
-                            <a:srgbClr val="000000"/>
-                          </a:solidFill>
-                          <a:effectLst/>
-                          <a:latin typeface="Calibri"/>
-                        </a:rPr>
-                        <a:t>Bitcoin-Number-of-Transactions-Excluding-Popular-Addresses</a:t>
-                      </a:r>
-                    </a:p>
-                  </a:txBody>
-                  <a:tcPr marL="12700" marR="12700" marT="12700" marB="0" anchor="b"/>
-                </a:tc>
-              </a:tr>
-              <a:tr h="370840">
-                <a:tc>
-                  <a:txBody>
-                    <a:bodyPr/>
-                    <a:lstStyle/>
-                    <a:p>
-                      <a:pPr algn="l" fontAlgn="b"/>
-                      <a:r>
-                        <a:rPr lang="en-US" sz="1200" b="0" i="0" u="none" strike="noStrike">
-                          <a:solidFill>
-                            <a:srgbClr val="000000"/>
-                          </a:solidFill>
-                          <a:effectLst/>
-                          <a:latin typeface="Calibri"/>
-                        </a:rPr>
-                        <a:t>TOUTV</a:t>
-                      </a:r>
-                    </a:p>
-                  </a:txBody>
-                  <a:tcPr marL="12700" marR="12700" marT="12700" marB="0" anchor="b"/>
-                </a:tc>
-                <a:tc>
-                  <a:txBody>
-                    <a:bodyPr/>
-                    <a:lstStyle/>
-                    <a:p>
-                      <a:pPr algn="l" fontAlgn="b"/>
-                      <a:r>
-                        <a:rPr lang="en-US" sz="1200" b="0" i="0" u="none" strike="noStrike">
-                          <a:solidFill>
-                            <a:srgbClr val="000000"/>
-                          </a:solidFill>
-                          <a:effectLst/>
-                          <a:latin typeface="Calibri"/>
-                        </a:rPr>
-                        <a:t>Bitcoin-Total-Output-Volume</a:t>
-                      </a:r>
-                    </a:p>
-                  </a:txBody>
-                  <a:tcPr marL="12700" marR="12700" marT="12700" marB="0" anchor="b"/>
-                </a:tc>
-              </a:tr>
-              <a:tr h="370840">
-                <a:tc>
-                  <a:txBody>
-                    <a:bodyPr/>
-                    <a:lstStyle/>
-                    <a:p>
-                      <a:pPr algn="l" fontAlgn="b"/>
-                      <a:r>
-                        <a:rPr lang="en-US" sz="1200" b="0" i="0" u="none" strike="noStrike">
-                          <a:solidFill>
-                            <a:srgbClr val="000000"/>
-                          </a:solidFill>
-                          <a:effectLst/>
-                          <a:latin typeface="Calibri"/>
-                        </a:rPr>
-                        <a:t>TRFEE</a:t>
-                      </a:r>
-                    </a:p>
-                  </a:txBody>
-                  <a:tcPr marL="12700" marR="12700" marT="12700" marB="0" anchor="b"/>
-                </a:tc>
-                <a:tc>
-                  <a:txBody>
-                    <a:bodyPr/>
-                    <a:lstStyle/>
-                    <a:p>
-                      <a:pPr algn="l" fontAlgn="b"/>
-                      <a:r>
-                        <a:rPr lang="en-US" sz="1200" b="0" i="0" u="none" strike="noStrike">
-                          <a:solidFill>
-                            <a:srgbClr val="000000"/>
-                          </a:solidFill>
-                          <a:effectLst/>
-                          <a:latin typeface="Calibri"/>
-                        </a:rPr>
-                        <a:t>Bitcoin-Total-Transaction-Fees</a:t>
-                      </a:r>
-                    </a:p>
-                  </a:txBody>
-                  <a:tcPr marL="12700" marR="12700" marT="12700" marB="0" anchor="b"/>
-                </a:tc>
-              </a:tr>
-              <a:tr h="370840">
-                <a:tc>
-                  <a:txBody>
-                    <a:bodyPr/>
-                    <a:lstStyle/>
-                    <a:p>
-                      <a:pPr algn="l" fontAlgn="b"/>
-                      <a:r>
-                        <a:rPr lang="en-US" sz="1200" b="0" i="0" u="none" strike="noStrike">
-                          <a:solidFill>
-                            <a:srgbClr val="000000"/>
-                          </a:solidFill>
-                          <a:effectLst/>
-                          <a:latin typeface="Calibri"/>
-                        </a:rPr>
-                        <a:t>ATRCT</a:t>
-                      </a:r>
-                    </a:p>
-                  </a:txBody>
-                  <a:tcPr marL="12700" marR="12700" marT="12700" marB="0" anchor="b"/>
-                </a:tc>
-                <a:tc>
-                  <a:txBody>
-                    <a:bodyPr/>
-                    <a:lstStyle/>
-                    <a:p>
-                      <a:pPr algn="l" fontAlgn="b"/>
-                      <a:r>
-                        <a:rPr lang="en-US" sz="1200" b="0" i="0" u="none" strike="noStrike" dirty="0" err="1">
-                          <a:solidFill>
-                            <a:srgbClr val="000000"/>
-                          </a:solidFill>
-                          <a:effectLst/>
-                          <a:latin typeface="Calibri"/>
-                        </a:rPr>
-                        <a:t>Bitcoin</a:t>
-                      </a:r>
-                      <a:r>
-                        <a:rPr lang="en-US" sz="1200" b="0" i="0" u="none" strike="noStrike" dirty="0">
-                          <a:solidFill>
-                            <a:srgbClr val="000000"/>
-                          </a:solidFill>
-                          <a:effectLst/>
-                          <a:latin typeface="Calibri"/>
-                        </a:rPr>
-                        <a:t>-Average-Transaction-Confirmation-Time</a:t>
-                      </a:r>
-                    </a:p>
-                  </a:txBody>
-                  <a:tcPr marL="12700" marR="12700" marT="12700" marB="0" anchor="b"/>
-                </a:tc>
-              </a:tr>
-            </a:tbl>
-          </a:graphicData>
-        </a:graphic>
-      </p:graphicFrame>
-      <p:sp>
-        <p:nvSpPr>
-          <p:cNvPr id="9" name="TextBox 8"/>
-          <p:cNvSpPr txBox="1"/>
-          <p:nvPr/>
-        </p:nvSpPr>
-        <p:spPr>
-          <a:xfrm>
-            <a:off x="5599693" y="5904991"/>
-            <a:ext cx="2051275" cy="646331"/>
-          </a:xfrm>
-          <a:prstGeom prst="rect">
-            <a:avLst/>
-          </a:prstGeom>
-          <a:noFill/>
-        </p:spPr>
-        <p:txBody>
-          <a:bodyPr wrap="none" rtlCol="0">
-            <a:spAutoFit/>
-          </a:bodyPr>
-          <a:lstStyle/>
-          <a:p>
-            <a:pPr marL="0" lvl="1"/>
-            <a:r>
-              <a:rPr lang="en-US" dirty="0" smtClean="0"/>
-              <a:t>Source: </a:t>
-            </a:r>
-            <a:r>
-              <a:rPr lang="en-US" dirty="0" err="1" smtClean="0"/>
-              <a:t>quandl.com</a:t>
-            </a:r>
-            <a:endParaRPr lang="en-US" dirty="0" smtClean="0"/>
-          </a:p>
-          <a:p>
-            <a:endParaRPr lang="en-US" dirty="0"/>
-          </a:p>
-        </p:txBody>
-      </p:sp>
-    </p:spTree>
-    <p:extLst>
-      <p:ext uri="{BB962C8B-B14F-4D97-AF65-F5344CB8AC3E}">
-        <p14:creationId xmlns:p14="http://schemas.microsoft.com/office/powerpoint/2010/main" val="1023557372"/>
-      </p:ext>
-    </p:extLst>
-  </p:cSld>
-  <p:clrMapOvr>
-    <a:masterClrMapping/>
-  </p:clrMapOvr>
 </p:sld>
 </file>
 

--- a/Hackathon_Presentation.pptx
+++ b/Hackathon_Presentation.pptx
@@ -3125,7 +3125,7 @@
           <a:p>
             <a:r>
               <a:rPr lang="en-US" dirty="0" smtClean="0"/>
-              <a:t>If economists become unemployed, who reports it?</a:t>
+              <a:t>Questing for Automatic Economics</a:t>
             </a:r>
             <a:endParaRPr lang="en-US" dirty="0"/>
           </a:p>
@@ -4851,7 +4851,7 @@
           <p:nvPr>
             <p:extLst>
               <p:ext uri="{D42A27DB-BD31-4B8C-83A1-F6EECF244321}">
-                <p14:modId xmlns:p14="http://schemas.microsoft.com/office/powerpoint/2010/main" val="4082896200"/>
+                <p14:modId xmlns:p14="http://schemas.microsoft.com/office/powerpoint/2010/main" val="593190321"/>
               </p:ext>
             </p:extLst>
           </p:nvPr>
@@ -4894,7 +4894,7 @@
                     <a:p>
                       <a:r>
                         <a:rPr lang="en-US" dirty="0" smtClean="0"/>
-                        <a:t>Pro</a:t>
+                        <a:t>Pros</a:t>
                       </a:r>
                       <a:endParaRPr lang="en-US" dirty="0"/>
                     </a:p>
@@ -4908,7 +4908,7 @@
                     <a:p>
                       <a:r>
                         <a:rPr lang="en-US" dirty="0" smtClean="0"/>
-                        <a:t>Con </a:t>
+                        <a:t>Cons</a:t>
                       </a:r>
                       <a:endParaRPr lang="en-US" dirty="0"/>
                     </a:p>
@@ -4960,7 +4960,7 @@
                       </a:r>
                       <a:r>
                         <a:rPr lang="en-US" baseline="0" dirty="0" err="1" smtClean="0"/>
-                        <a:t>casaulity</a:t>
+                        <a:t>casuality</a:t>
                       </a:r>
                       <a:endParaRPr lang="en-US" dirty="0"/>
                     </a:p>
@@ -4988,11 +4988,11 @@
                     <a:p>
                       <a:r>
                         <a:rPr lang="en-US" dirty="0" err="1" smtClean="0"/>
-                        <a:t>Casaulity</a:t>
+                        <a:t>Casuality</a:t>
                       </a:r>
                       <a:r>
                         <a:rPr lang="en-US" baseline="0" dirty="0" smtClean="0"/>
-                        <a:t> expected in reverse direction</a:t>
+                        <a:t> detected in reverse direction</a:t>
                       </a:r>
                       <a:endParaRPr lang="en-US" dirty="0"/>
                     </a:p>
@@ -6470,15 +6470,7 @@
           <a:p>
             <a:r>
               <a:rPr lang="en-US" dirty="0" smtClean="0"/>
-              <a:t>We can see every </a:t>
-            </a:r>
-            <a:r>
-              <a:rPr lang="en-US" dirty="0" err="1" smtClean="0"/>
-              <a:t>tx</a:t>
-            </a:r>
-            <a:r>
-              <a:rPr lang="en-US" dirty="0" smtClean="0"/>
-              <a:t> in the whole network for it’s entire history, and it’s updated in real time</a:t>
+              <a:t>We can see every transaction in the whole network for it’s entire history, and it’s updated in real time</a:t>
             </a:r>
           </a:p>
           <a:p>
